--- a/src/main/resources/Code Marathon.pptx
+++ b/src/main/resources/Code Marathon.pptx
@@ -10,9 +10,9 @@
   <p:sldIdLst>
     <p:sldId id="256" r:id="rId2"/>
     <p:sldId id="257" r:id="rId3"/>
-    <p:sldId id="266" r:id="rId4"/>
-    <p:sldId id="265" r:id="rId5"/>
-    <p:sldId id="268" r:id="rId6"/>
+    <p:sldId id="265" r:id="rId4"/>
+    <p:sldId id="268" r:id="rId5"/>
+    <p:sldId id="266" r:id="rId6"/>
     <p:sldId id="271" r:id="rId7"/>
     <p:sldId id="267" r:id="rId8"/>
     <p:sldId id="269" r:id="rId9"/>
@@ -371,6 +371,11 @@
         </p:txBody>
       </p:sp>
     </p:spTree>
+    <p:extLst>
+      <p:ext uri="{BB962C8B-B14F-4D97-AF65-F5344CB8AC3E}">
+        <p14:creationId xmlns:p14="http://schemas.microsoft.com/office/powerpoint/2010/main" val="2450056276"/>
+      </p:ext>
+    </p:extLst>
   </p:cSld>
   <p:clrMap bg1="lt1" tx1="dk1" bg2="lt2" tx2="dk2" accent1="accent1" accent2="accent2" accent3="accent3" accent4="accent4" accent5="accent5" accent6="accent6" hlink="hlink" folHlink="folHlink"/>
   <p:notesStyle>
@@ -562,6 +567,75 @@
           <a:lstStyle/>
           <a:p>
             <a:pPr eaLnBrk="1" hangingPunct="1"/>
+            <a:r>
+              <a:rPr lang="en-GB" altLang="ko-KR" dirty="0" smtClean="0">
+                <a:ea typeface="굴림" charset="-127"/>
+                <a:cs typeface="Arial" charset="0"/>
+              </a:rPr>
+              <a:t>Welcome</a:t>
+            </a:r>
+            <a:r>
+              <a:rPr lang="en-GB" altLang="ko-KR" baseline="0" dirty="0" smtClean="0">
+                <a:ea typeface="굴림" charset="-127"/>
+                <a:cs typeface="Arial" charset="0"/>
+              </a:rPr>
+              <a:t> to join this session. We are from </a:t>
+            </a:r>
+            <a:r>
+              <a:rPr lang="en-GB" altLang="ko-KR" baseline="0" dirty="0" err="1" smtClean="0">
+                <a:ea typeface="굴림" charset="-127"/>
+                <a:cs typeface="Arial" charset="0"/>
+              </a:rPr>
+              <a:t>DevFins</a:t>
+            </a:r>
+            <a:r>
+              <a:rPr lang="en-GB" altLang="ko-KR" baseline="0" dirty="0" smtClean="0">
+                <a:ea typeface="굴림" charset="-127"/>
+                <a:cs typeface="Arial" charset="0"/>
+              </a:rPr>
+              <a:t> team, I am Victor, her name is Barbara.</a:t>
+            </a:r>
+          </a:p>
+          <a:p>
+            <a:pPr eaLnBrk="1" hangingPunct="1"/>
+            <a:endParaRPr lang="en-GB" altLang="ko-KR" baseline="0" dirty="0" smtClean="0">
+              <a:ea typeface="굴림" charset="-127"/>
+              <a:cs typeface="Arial" charset="0"/>
+            </a:endParaRPr>
+          </a:p>
+          <a:p>
+            <a:pPr eaLnBrk="1" hangingPunct="1"/>
+            <a:r>
+              <a:rPr lang="en-GB" altLang="ko-KR" baseline="0" dirty="0" err="1" smtClean="0">
+                <a:ea typeface="굴림" charset="-127"/>
+                <a:cs typeface="Arial" charset="0"/>
+              </a:rPr>
+              <a:t>DevFins</a:t>
+            </a:r>
+            <a:r>
+              <a:rPr lang="en-GB" altLang="ko-KR" baseline="0" dirty="0" smtClean="0">
+                <a:ea typeface="굴림" charset="-127"/>
+                <a:cs typeface="Arial" charset="0"/>
+              </a:rPr>
+              <a:t> means Development and Finance.</a:t>
+            </a:r>
+          </a:p>
+          <a:p>
+            <a:pPr eaLnBrk="1" hangingPunct="1"/>
+            <a:endParaRPr lang="en-GB" altLang="ko-KR" baseline="0" dirty="0" smtClean="0">
+              <a:ea typeface="굴림" charset="-127"/>
+              <a:cs typeface="Arial" charset="0"/>
+            </a:endParaRPr>
+          </a:p>
+          <a:p>
+            <a:pPr eaLnBrk="1" hangingPunct="1"/>
+            <a:r>
+              <a:rPr lang="en-GB" altLang="ko-KR" baseline="0" dirty="0" smtClean="0">
+                <a:ea typeface="굴림" charset="-127"/>
+                <a:cs typeface="Arial" charset="0"/>
+              </a:rPr>
+              <a:t>Our case is from AO department for payment process issue.</a:t>
+            </a:r>
             <a:endParaRPr lang="en-GB" altLang="ko-KR" dirty="0" smtClean="0">
               <a:ea typeface="굴림" charset="-127"/>
               <a:cs typeface="Arial" charset="0"/>
@@ -624,10 +698,18 @@
           <a:lstStyle/>
           <a:p>
             <a:r>
-              <a:rPr lang="en-US" sz="1400" dirty="0" smtClean="0"/>
-              <a:t>Our user is from AO department, their job is payment. Currently, they always manual to input invoice information and verify it within BRCC data. BRCC can be considered as SCB internal invoice data from different city. Now we have almost 28 cities BU.</a:t>
+              <a:rPr lang="en-US" altLang="zh-CN" sz="1400" dirty="0" smtClean="0"/>
+              <a:t>In this</a:t>
             </a:r>
-            <a:endParaRPr lang="en-GB" sz="1400" dirty="0" smtClean="0"/>
+            <a:r>
+              <a:rPr lang="en-US" altLang="zh-CN" sz="1400" baseline="0" dirty="0" smtClean="0"/>
+              <a:t> case, o</a:t>
+            </a:r>
+            <a:r>
+              <a:rPr lang="en-US" altLang="zh-CN" sz="1400" dirty="0" smtClean="0"/>
+              <a:t>ur user is from AO department, their job is payment. Currently, they always manual to input invoice information and verify it within BRCC data. BRCC can be considered as SCB internal invoice data from different city. Now we have almost 28 cities BU.</a:t>
+            </a:r>
+            <a:endParaRPr lang="en-GB" altLang="zh-CN" sz="1400" dirty="0" smtClean="0"/>
           </a:p>
           <a:p>
             <a:pPr>
@@ -635,14 +717,14 @@
               <a:buChar char="•"/>
             </a:pPr>
             <a:r>
-              <a:rPr lang="en-GB" sz="1400" dirty="0" smtClean="0"/>
+              <a:rPr lang="en-GB" altLang="zh-CN" sz="1400" dirty="0" smtClean="0"/>
               <a:t>   </a:t>
             </a:r>
             <a:r>
-              <a:rPr lang="en-US" sz="1400" dirty="0" smtClean="0"/>
+              <a:rPr lang="en-US" altLang="zh-CN" sz="1400" dirty="0" smtClean="0"/>
               <a:t>Requester must fill in payment excel and then print it out. And then post it to AO within the invoice. For example, you have business travel to SG, when you are back, you have to fill in the payment excel and then post your hotel invoice, and submit to your HR. and HR will help you transfer to AO.</a:t>
             </a:r>
-            <a:endParaRPr lang="en-GB" sz="1400" dirty="0" smtClean="0"/>
+            <a:endParaRPr lang="en-GB" altLang="zh-CN" sz="1400" dirty="0" smtClean="0"/>
           </a:p>
           <a:p>
             <a:pPr lvl="0">
@@ -650,10 +732,10 @@
               <a:buChar char="•"/>
             </a:pPr>
             <a:r>
-              <a:rPr lang="en-US" sz="1400" dirty="0" smtClean="0"/>
+              <a:rPr lang="en-US" altLang="zh-CN" sz="1400" dirty="0" smtClean="0"/>
               <a:t>   AO staff will register this invoice information into system and then trigger to verify it with BRCC data.</a:t>
             </a:r>
-            <a:endParaRPr lang="en-GB" sz="1400" dirty="0" smtClean="0"/>
+            <a:endParaRPr lang="en-GB" altLang="zh-CN" sz="1400" dirty="0" smtClean="0"/>
           </a:p>
           <a:p>
             <a:pPr lvl="0">
@@ -661,10 +743,10 @@
               <a:buChar char="•"/>
             </a:pPr>
             <a:r>
-              <a:rPr lang="en-US" sz="1400" dirty="0" smtClean="0"/>
+              <a:rPr lang="en-US" altLang="zh-CN" sz="1400" dirty="0" smtClean="0"/>
               <a:t>   For verification invoice, AO staff will scan the invoice for backup and transfer it to Indexer Department.</a:t>
             </a:r>
-            <a:endParaRPr lang="en-GB" sz="1400" dirty="0" smtClean="0"/>
+            <a:endParaRPr lang="en-GB" altLang="zh-CN" sz="1400" dirty="0" smtClean="0"/>
           </a:p>
           <a:p>
             <a:pPr>
@@ -672,10 +754,10 @@
               <a:buChar char="•"/>
             </a:pPr>
             <a:r>
-              <a:rPr lang="en-US" sz="1400" dirty="0" smtClean="0"/>
+              <a:rPr lang="en-US" altLang="zh-CN" sz="1400" dirty="0" smtClean="0"/>
               <a:t>   AO staff will send email to BRCC, and tell them which invoice is verified, which one is not.</a:t>
             </a:r>
-            <a:endParaRPr lang="en-US" sz="1400" dirty="0" smtClean="0">
+            <a:endParaRPr lang="en-US" altLang="zh-CN" sz="1400" dirty="0" smtClean="0">
               <a:solidFill>
                 <a:srgbClr val="5F5F5F"/>
               </a:solidFill>
@@ -683,6 +765,20 @@
             </a:endParaRPr>
           </a:p>
           <a:p>
+            <a:endParaRPr lang="en-US" sz="1400" dirty="0" smtClean="0"/>
+          </a:p>
+          <a:p>
+            <a:endParaRPr lang="en-US" sz="1400" dirty="0" smtClean="0"/>
+          </a:p>
+          <a:p>
+            <a:r>
+              <a:rPr lang="en-US" sz="1400" dirty="0" smtClean="0"/>
+              <a:t>Requester </a:t>
+            </a:r>
+            <a:r>
+              <a:rPr lang="en-US" sz="1400" dirty="0" smtClean="0"/>
+              <a:t>must fill in payment excel and then print it out. And then post it to AO within the invoice. For example, you have business travel to SG, when you are back, you have to fill in the payment excel and then post your hotel invoice, and submit to your HR. and HR will help you transfer to AO.</a:t>
+            </a:r>
             <a:endParaRPr lang="en-GB" dirty="0"/>
           </a:p>
         </p:txBody>
@@ -720,92 +816,6 @@
 </file>
 
 <file path=ppt/notesSlides/notesSlide3.xml><?xml version="1.0" encoding="utf-8"?>
-<p:notes xmlns:a="http://schemas.openxmlformats.org/drawingml/2006/main" xmlns:r="http://schemas.openxmlformats.org/officeDocument/2006/relationships" xmlns:p="http://schemas.openxmlformats.org/presentationml/2006/main">
-  <p:cSld>
-    <p:spTree>
-      <p:nvGrpSpPr>
-        <p:cNvPr id="1" name=""/>
-        <p:cNvGrpSpPr/>
-        <p:nvPr/>
-      </p:nvGrpSpPr>
-      <p:grpSpPr>
-        <a:xfrm>
-          <a:off x="0" y="0"/>
-          <a:ext cx="0" cy="0"/>
-          <a:chOff x="0" y="0"/>
-          <a:chExt cx="0" cy="0"/>
-        </a:xfrm>
-      </p:grpSpPr>
-      <p:sp>
-        <p:nvSpPr>
-          <p:cNvPr id="2" name="Slide Image Placeholder 1"/>
-          <p:cNvSpPr>
-            <a:spLocks noGrp="1" noRot="1" noChangeAspect="1"/>
-          </p:cNvSpPr>
-          <p:nvPr>
-            <p:ph type="sldImg"/>
-          </p:nvPr>
-        </p:nvSpPr>
-        <p:spPr/>
-      </p:sp>
-      <p:sp>
-        <p:nvSpPr>
-          <p:cNvPr id="3" name="Notes Placeholder 2"/>
-          <p:cNvSpPr>
-            <a:spLocks noGrp="1"/>
-          </p:cNvSpPr>
-          <p:nvPr>
-            <p:ph type="body" idx="1"/>
-          </p:nvPr>
-        </p:nvSpPr>
-        <p:spPr/>
-        <p:txBody>
-          <a:bodyPr>
-            <a:normAutofit/>
-          </a:bodyPr>
-          <a:lstStyle/>
-          <a:p>
-            <a:r>
-              <a:rPr lang="en-US" sz="1400" dirty="0" smtClean="0"/>
-              <a:t>Requester must fill in payment excel and then print it out. And then post it to AO within the invoice. For example, you have business travel to SG, when you are back, you have to fill in the payment excel and then post your hotel invoice, and submit to your HR. and HR will help you transfer to AO.</a:t>
-            </a:r>
-            <a:endParaRPr lang="en-GB" dirty="0"/>
-          </a:p>
-        </p:txBody>
-      </p:sp>
-      <p:sp>
-        <p:nvSpPr>
-          <p:cNvPr id="4" name="Slide Number Placeholder 3"/>
-          <p:cNvSpPr>
-            <a:spLocks noGrp="1"/>
-          </p:cNvSpPr>
-          <p:nvPr>
-            <p:ph type="sldNum" sz="quarter" idx="10"/>
-          </p:nvPr>
-        </p:nvSpPr>
-        <p:spPr/>
-        <p:txBody>
-          <a:bodyPr/>
-          <a:lstStyle/>
-          <a:p>
-            <a:fld id="{275F347C-A4D3-46B3-85C3-F48909EC4272}" type="slidenum">
-              <a:rPr lang="en-GB" smtClean="0"/>
-              <a:pPr/>
-              <a:t>4</a:t>
-            </a:fld>
-            <a:endParaRPr lang="en-GB"/>
-          </a:p>
-        </p:txBody>
-      </p:sp>
-    </p:spTree>
-  </p:cSld>
-  <p:clrMapOvr>
-    <a:masterClrMapping/>
-  </p:clrMapOvr>
-</p:notes>
-</file>
-
-<file path=ppt/notesSlides/notesSlide4.xml><?xml version="1.0" encoding="utf-8"?>
 <p:notes xmlns:a="http://schemas.openxmlformats.org/drawingml/2006/main" xmlns:r="http://schemas.openxmlformats.org/officeDocument/2006/relationships" xmlns:p="http://schemas.openxmlformats.org/presentationml/2006/main">
   <p:cSld>
     <p:spTree>
@@ -972,6 +982,88 @@
               <a:ea typeface="+mn-ea"/>
               <a:cs typeface="+mn-cs"/>
             </a:endParaRPr>
+          </a:p>
+        </p:txBody>
+      </p:sp>
+      <p:sp>
+        <p:nvSpPr>
+          <p:cNvPr id="4" name="Slide Number Placeholder 3"/>
+          <p:cNvSpPr>
+            <a:spLocks noGrp="1"/>
+          </p:cNvSpPr>
+          <p:nvPr>
+            <p:ph type="sldNum" sz="quarter" idx="10"/>
+          </p:nvPr>
+        </p:nvSpPr>
+        <p:spPr/>
+        <p:txBody>
+          <a:bodyPr/>
+          <a:lstStyle/>
+          <a:p>
+            <a:fld id="{275F347C-A4D3-46B3-85C3-F48909EC4272}" type="slidenum">
+              <a:rPr lang="en-GB" smtClean="0"/>
+              <a:pPr/>
+              <a:t>4</a:t>
+            </a:fld>
+            <a:endParaRPr lang="en-GB"/>
+          </a:p>
+        </p:txBody>
+      </p:sp>
+    </p:spTree>
+  </p:cSld>
+  <p:clrMapOvr>
+    <a:masterClrMapping/>
+  </p:clrMapOvr>
+</p:notes>
+</file>
+
+<file path=ppt/notesSlides/notesSlide4.xml><?xml version="1.0" encoding="utf-8"?>
+<p:notes xmlns:a="http://schemas.openxmlformats.org/drawingml/2006/main" xmlns:r="http://schemas.openxmlformats.org/officeDocument/2006/relationships" xmlns:p="http://schemas.openxmlformats.org/presentationml/2006/main">
+  <p:cSld>
+    <p:spTree>
+      <p:nvGrpSpPr>
+        <p:cNvPr id="1" name=""/>
+        <p:cNvGrpSpPr/>
+        <p:nvPr/>
+      </p:nvGrpSpPr>
+      <p:grpSpPr>
+        <a:xfrm>
+          <a:off x="0" y="0"/>
+          <a:ext cx="0" cy="0"/>
+          <a:chOff x="0" y="0"/>
+          <a:chExt cx="0" cy="0"/>
+        </a:xfrm>
+      </p:grpSpPr>
+      <p:sp>
+        <p:nvSpPr>
+          <p:cNvPr id="2" name="Slide Image Placeholder 1"/>
+          <p:cNvSpPr>
+            <a:spLocks noGrp="1" noRot="1" noChangeAspect="1"/>
+          </p:cNvSpPr>
+          <p:nvPr>
+            <p:ph type="sldImg"/>
+          </p:nvPr>
+        </p:nvSpPr>
+        <p:spPr/>
+      </p:sp>
+      <p:sp>
+        <p:nvSpPr>
+          <p:cNvPr id="3" name="Notes Placeholder 2"/>
+          <p:cNvSpPr>
+            <a:spLocks noGrp="1"/>
+          </p:cNvSpPr>
+          <p:nvPr>
+            <p:ph type="body" idx="1"/>
+          </p:nvPr>
+        </p:nvSpPr>
+        <p:spPr/>
+        <p:txBody>
+          <a:bodyPr>
+            <a:normAutofit/>
+          </a:bodyPr>
+          <a:lstStyle/>
+          <a:p>
+            <a:endParaRPr lang="en-GB" dirty="0"/>
           </a:p>
         </p:txBody>
       </p:sp>
@@ -1391,7 +1483,7 @@
             <a:fld id="{1D8BD707-D9CF-40AE-B4C6-C98DA3205C09}" type="datetimeFigureOut">
               <a:rPr lang="en-US" smtClean="0"/>
               <a:pPr/>
-              <a:t>12/04/2017</a:t>
+              <a:t>12/4/2017</a:t>
             </a:fld>
             <a:endParaRPr lang="en-US"/>
           </a:p>
@@ -1558,7 +1650,7 @@
             <a:fld id="{1D8BD707-D9CF-40AE-B4C6-C98DA3205C09}" type="datetimeFigureOut">
               <a:rPr lang="en-US" smtClean="0"/>
               <a:pPr/>
-              <a:t>12/04/2017</a:t>
+              <a:t>12/4/2017</a:t>
             </a:fld>
             <a:endParaRPr lang="en-US"/>
           </a:p>
@@ -1735,7 +1827,7 @@
             <a:fld id="{1D8BD707-D9CF-40AE-B4C6-C98DA3205C09}" type="datetimeFigureOut">
               <a:rPr lang="en-US" smtClean="0"/>
               <a:pPr/>
-              <a:t>12/04/2017</a:t>
+              <a:t>12/4/2017</a:t>
             </a:fld>
             <a:endParaRPr lang="en-US"/>
           </a:p>
@@ -1902,7 +1994,7 @@
             <a:fld id="{1D8BD707-D9CF-40AE-B4C6-C98DA3205C09}" type="datetimeFigureOut">
               <a:rPr lang="en-US" smtClean="0"/>
               <a:pPr/>
-              <a:t>12/04/2017</a:t>
+              <a:t>12/4/2017</a:t>
             </a:fld>
             <a:endParaRPr lang="en-US"/>
           </a:p>
@@ -2145,7 +2237,7 @@
             <a:fld id="{1D8BD707-D9CF-40AE-B4C6-C98DA3205C09}" type="datetimeFigureOut">
               <a:rPr lang="en-US" smtClean="0"/>
               <a:pPr/>
-              <a:t>12/04/2017</a:t>
+              <a:t>12/4/2017</a:t>
             </a:fld>
             <a:endParaRPr lang="en-US"/>
           </a:p>
@@ -2430,7 +2522,7 @@
             <a:fld id="{1D8BD707-D9CF-40AE-B4C6-C98DA3205C09}" type="datetimeFigureOut">
               <a:rPr lang="en-US" smtClean="0"/>
               <a:pPr/>
-              <a:t>12/04/2017</a:t>
+              <a:t>12/4/2017</a:t>
             </a:fld>
             <a:endParaRPr lang="en-US"/>
           </a:p>
@@ -2849,7 +2941,7 @@
             <a:fld id="{1D8BD707-D9CF-40AE-B4C6-C98DA3205C09}" type="datetimeFigureOut">
               <a:rPr lang="en-US" smtClean="0"/>
               <a:pPr/>
-              <a:t>12/04/2017</a:t>
+              <a:t>12/4/2017</a:t>
             </a:fld>
             <a:endParaRPr lang="en-US"/>
           </a:p>
@@ -2964,7 +3056,7 @@
             <a:fld id="{1D8BD707-D9CF-40AE-B4C6-C98DA3205C09}" type="datetimeFigureOut">
               <a:rPr lang="en-US" smtClean="0"/>
               <a:pPr/>
-              <a:t>12/04/2017</a:t>
+              <a:t>12/4/2017</a:t>
             </a:fld>
             <a:endParaRPr lang="en-US"/>
           </a:p>
@@ -3056,7 +3148,7 @@
             <a:fld id="{1D8BD707-D9CF-40AE-B4C6-C98DA3205C09}" type="datetimeFigureOut">
               <a:rPr lang="en-US" smtClean="0"/>
               <a:pPr/>
-              <a:t>12/04/2017</a:t>
+              <a:t>12/4/2017</a:t>
             </a:fld>
             <a:endParaRPr lang="en-US"/>
           </a:p>
@@ -3330,7 +3422,7 @@
             <a:fld id="{1D8BD707-D9CF-40AE-B4C6-C98DA3205C09}" type="datetimeFigureOut">
               <a:rPr lang="en-US" smtClean="0"/>
               <a:pPr/>
-              <a:t>12/04/2017</a:t>
+              <a:t>12/4/2017</a:t>
             </a:fld>
             <a:endParaRPr lang="en-US"/>
           </a:p>
@@ -3580,7 +3672,7 @@
             <a:fld id="{1D8BD707-D9CF-40AE-B4C6-C98DA3205C09}" type="datetimeFigureOut">
               <a:rPr lang="en-US" smtClean="0"/>
               <a:pPr/>
-              <a:t>12/04/2017</a:t>
+              <a:t>12/4/2017</a:t>
             </a:fld>
             <a:endParaRPr lang="en-US"/>
           </a:p>
@@ -3790,7 +3882,7 @@
             <a:fld id="{1D8BD707-D9CF-40AE-B4C6-C98DA3205C09}" type="datetimeFigureOut">
               <a:rPr lang="en-US" smtClean="0"/>
               <a:pPr/>
-              <a:t>12/04/2017</a:t>
+              <a:t>12/4/2017</a:t>
             </a:fld>
             <a:endParaRPr lang="en-US"/>
           </a:p>
@@ -4375,13 +4467,16 @@
                   <a:schemeClr val="accent1"/>
                 </a:solidFill>
               </a:rPr>
-              <a:t>P2R Platform</a:t>
+              <a:t>R2P </a:t>
             </a:r>
-            <a:endParaRPr lang="en-GB" sz="2700" dirty="0" smtClean="0">
-              <a:solidFill>
-                <a:schemeClr val="accent1"/>
-              </a:solidFill>
-            </a:endParaRPr>
+            <a:r>
+              <a:rPr lang="en-GB" sz="2700" dirty="0" smtClean="0">
+                <a:solidFill>
+                  <a:schemeClr val="accent1"/>
+                </a:solidFill>
+              </a:rPr>
+              <a:t>Platform</a:t>
+            </a:r>
           </a:p>
           <a:p>
             <a:r>
@@ -4398,15 +4493,7 @@
                   <a:schemeClr val="accent1"/>
                 </a:solidFill>
               </a:rPr>
-              <a:t>Victor </a:t>
-            </a:r>
-            <a:r>
-              <a:rPr lang="en-GB" sz="1800" dirty="0" smtClean="0">
-                <a:solidFill>
-                  <a:schemeClr val="accent1"/>
-                </a:solidFill>
-              </a:rPr>
-              <a:t> &amp; Barbara</a:t>
+              <a:t>Victor  &amp; Barbara</a:t>
             </a:r>
             <a:endParaRPr lang="en-GB" sz="2700" dirty="0" smtClean="0">
               <a:solidFill>
@@ -23766,11 +23853,7 @@
             </a:pPr>
             <a:r>
               <a:rPr lang="en-US" sz="1600" dirty="0" smtClean="0"/>
-              <a:t>Current </a:t>
-            </a:r>
-            <a:r>
-              <a:rPr lang="en-US" sz="1600" dirty="0" smtClean="0"/>
-              <a:t>business workflow</a:t>
+              <a:t>Current business workflow</a:t>
             </a:r>
           </a:p>
           <a:p>
@@ -23821,6 +23904,2366 @@
 </file>
 
 <file path=ppt/slides/slide3.xml><?xml version="1.0" encoding="utf-8"?>
+<p:sld xmlns:a="http://schemas.openxmlformats.org/drawingml/2006/main" xmlns:r="http://schemas.openxmlformats.org/officeDocument/2006/relationships" xmlns:p="http://schemas.openxmlformats.org/presentationml/2006/main">
+  <p:cSld>
+    <p:spTree>
+      <p:nvGrpSpPr>
+        <p:cNvPr id="1" name=""/>
+        <p:cNvGrpSpPr/>
+        <p:nvPr/>
+      </p:nvGrpSpPr>
+      <p:grpSpPr>
+        <a:xfrm>
+          <a:off x="0" y="0"/>
+          <a:ext cx="0" cy="0"/>
+          <a:chOff x="0" y="0"/>
+          <a:chExt cx="0" cy="0"/>
+        </a:xfrm>
+      </p:grpSpPr>
+      <p:sp>
+        <p:nvSpPr>
+          <p:cNvPr id="4" name="Rectangle 2"/>
+          <p:cNvSpPr>
+            <a:spLocks noChangeArrowheads="1"/>
+          </p:cNvSpPr>
+          <p:nvPr/>
+        </p:nvSpPr>
+        <p:spPr bwMode="auto">
+          <a:xfrm>
+            <a:off x="233993" y="252042"/>
+            <a:ext cx="10214425" cy="714119"/>
+          </a:xfrm>
+          <a:prstGeom prst="rect">
+            <a:avLst/>
+          </a:prstGeom>
+          <a:noFill/>
+          <a:ln w="9525" algn="ctr">
+            <a:noFill/>
+            <a:miter lim="800000"/>
+            <a:headEnd/>
+            <a:tailEnd/>
+          </a:ln>
+        </p:spPr>
+        <p:txBody>
+          <a:bodyPr lIns="98122" tIns="49105" rIns="98122" bIns="49105" anchor="b"/>
+          <a:lstStyle/>
+          <a:p>
+            <a:pPr defTabSz="984185" latinLnBrk="0"/>
+            <a:endParaRPr lang="en-US" sz="2700" b="1" dirty="0">
+              <a:solidFill>
+                <a:srgbClr val="5F5F5F"/>
+              </a:solidFill>
+              <a:latin typeface="Helvetica"/>
+            </a:endParaRPr>
+          </a:p>
+        </p:txBody>
+      </p:sp>
+      <p:sp>
+        <p:nvSpPr>
+          <p:cNvPr id="21" name="Title 1"/>
+          <p:cNvSpPr txBox="1">
+            <a:spLocks/>
+          </p:cNvSpPr>
+          <p:nvPr/>
+        </p:nvSpPr>
+        <p:spPr>
+          <a:xfrm>
+            <a:off x="450850" y="276225"/>
+            <a:ext cx="9791700" cy="739776"/>
+          </a:xfrm>
+          <a:prstGeom prst="rect">
+            <a:avLst/>
+          </a:prstGeom>
+        </p:spPr>
+        <p:txBody>
+          <a:bodyPr lIns="90416" tIns="45209" rIns="90416" bIns="45209" anchor="ctr" anchorCtr="0"/>
+          <a:lstStyle/>
+          <a:p>
+            <a:pPr defTabSz="1031340" eaLnBrk="0" hangingPunct="0">
+              <a:defRPr/>
+            </a:pPr>
+            <a:r>
+              <a:rPr lang="en-US" sz="2400" dirty="0" smtClean="0"/>
+              <a:t>Current Business Workflow</a:t>
+            </a:r>
+            <a:endParaRPr lang="en-GB" sz="2400" i="1" dirty="0">
+              <a:solidFill>
+                <a:srgbClr val="005C87"/>
+              </a:solidFill>
+              <a:latin typeface="Arial"/>
+            </a:endParaRPr>
+          </a:p>
+        </p:txBody>
+      </p:sp>
+      <p:grpSp>
+        <p:nvGrpSpPr>
+          <p:cNvPr id="2" name="Group 80"/>
+          <p:cNvGrpSpPr>
+            <a:grpSpLocks/>
+          </p:cNvGrpSpPr>
+          <p:nvPr/>
+        </p:nvGrpSpPr>
+        <p:grpSpPr bwMode="auto">
+          <a:xfrm>
+            <a:off x="0" y="1190625"/>
+            <a:ext cx="10688228" cy="84071"/>
+            <a:chOff x="0" y="16273"/>
+            <a:chExt cx="10179" cy="856"/>
+          </a:xfrm>
+        </p:grpSpPr>
+        <p:sp>
+          <p:nvSpPr>
+            <p:cNvPr id="26" name="Rectangle 81"/>
+            <p:cNvSpPr>
+              <a:spLocks noChangeArrowheads="1"/>
+            </p:cNvSpPr>
+            <p:nvPr/>
+          </p:nvSpPr>
+          <p:spPr bwMode="auto">
+            <a:xfrm>
+              <a:off x="0" y="16273"/>
+              <a:ext cx="2380" cy="713"/>
+            </a:xfrm>
+            <a:prstGeom prst="rect">
+              <a:avLst/>
+            </a:prstGeom>
+            <a:solidFill>
+              <a:srgbClr val="6DC067"/>
+            </a:solidFill>
+            <a:ln w="9525">
+              <a:noFill/>
+              <a:miter lim="800000"/>
+              <a:headEnd/>
+              <a:tailEnd/>
+            </a:ln>
+          </p:spPr>
+          <p:txBody>
+            <a:bodyPr/>
+            <a:lstStyle/>
+            <a:p>
+              <a:pPr latinLnBrk="0">
+                <a:defRPr/>
+              </a:pPr>
+              <a:endParaRPr kumimoji="0" lang="en-GB" dirty="0">
+                <a:ea typeface="+mn-ea"/>
+              </a:endParaRPr>
+            </a:p>
+          </p:txBody>
+        </p:sp>
+        <p:sp>
+          <p:nvSpPr>
+            <p:cNvPr id="27" name="Rectangle 82"/>
+            <p:cNvSpPr>
+              <a:spLocks noChangeArrowheads="1"/>
+            </p:cNvSpPr>
+            <p:nvPr/>
+          </p:nvSpPr>
+          <p:spPr bwMode="auto">
+            <a:xfrm>
+              <a:off x="2380" y="16273"/>
+              <a:ext cx="1191" cy="713"/>
+            </a:xfrm>
+            <a:prstGeom prst="rect">
+              <a:avLst/>
+            </a:prstGeom>
+            <a:solidFill>
+              <a:srgbClr val="22AA47"/>
+            </a:solidFill>
+            <a:ln w="9525">
+              <a:noFill/>
+              <a:miter lim="800000"/>
+              <a:headEnd/>
+              <a:tailEnd/>
+            </a:ln>
+          </p:spPr>
+          <p:txBody>
+            <a:bodyPr/>
+            <a:lstStyle/>
+            <a:p>
+              <a:pPr latinLnBrk="0">
+                <a:defRPr/>
+              </a:pPr>
+              <a:endParaRPr kumimoji="0" lang="en-GB" dirty="0">
+                <a:ea typeface="+mn-ea"/>
+              </a:endParaRPr>
+            </a:p>
+          </p:txBody>
+        </p:sp>
+        <p:sp>
+          <p:nvSpPr>
+            <p:cNvPr id="28" name="Rectangle 83"/>
+            <p:cNvSpPr>
+              <a:spLocks noChangeArrowheads="1"/>
+            </p:cNvSpPr>
+            <p:nvPr/>
+          </p:nvSpPr>
+          <p:spPr bwMode="auto">
+            <a:xfrm>
+              <a:off x="3572" y="16273"/>
+              <a:ext cx="1787" cy="713"/>
+            </a:xfrm>
+            <a:prstGeom prst="rect">
+              <a:avLst/>
+            </a:prstGeom>
+            <a:solidFill>
+              <a:srgbClr val="005C86"/>
+            </a:solidFill>
+            <a:ln w="9525">
+              <a:noFill/>
+              <a:miter lim="800000"/>
+              <a:headEnd/>
+              <a:tailEnd/>
+            </a:ln>
+          </p:spPr>
+          <p:txBody>
+            <a:bodyPr/>
+            <a:lstStyle/>
+            <a:p>
+              <a:pPr latinLnBrk="0">
+                <a:defRPr/>
+              </a:pPr>
+              <a:endParaRPr kumimoji="0" lang="en-GB" dirty="0">
+                <a:ea typeface="+mn-ea"/>
+              </a:endParaRPr>
+            </a:p>
+          </p:txBody>
+        </p:sp>
+        <p:sp>
+          <p:nvSpPr>
+            <p:cNvPr id="29" name="Rectangle 84"/>
+            <p:cNvSpPr>
+              <a:spLocks noChangeArrowheads="1"/>
+            </p:cNvSpPr>
+            <p:nvPr/>
+          </p:nvSpPr>
+          <p:spPr bwMode="auto">
+            <a:xfrm>
+              <a:off x="5358" y="16273"/>
+              <a:ext cx="596" cy="713"/>
+            </a:xfrm>
+            <a:prstGeom prst="rect">
+              <a:avLst/>
+            </a:prstGeom>
+            <a:solidFill>
+              <a:srgbClr val="009BD9"/>
+            </a:solidFill>
+            <a:ln w="9525">
+              <a:noFill/>
+              <a:miter lim="800000"/>
+              <a:headEnd/>
+              <a:tailEnd/>
+            </a:ln>
+          </p:spPr>
+          <p:txBody>
+            <a:bodyPr/>
+            <a:lstStyle/>
+            <a:p>
+              <a:pPr latinLnBrk="0">
+                <a:defRPr/>
+              </a:pPr>
+              <a:endParaRPr kumimoji="0" lang="en-GB" dirty="0">
+                <a:ea typeface="+mn-ea"/>
+              </a:endParaRPr>
+            </a:p>
+          </p:txBody>
+        </p:sp>
+        <p:sp>
+          <p:nvSpPr>
+            <p:cNvPr id="30" name="Rectangle 85"/>
+            <p:cNvSpPr>
+              <a:spLocks noChangeArrowheads="1"/>
+            </p:cNvSpPr>
+            <p:nvPr/>
+          </p:nvSpPr>
+          <p:spPr bwMode="auto">
+            <a:xfrm>
+              <a:off x="5954" y="16273"/>
+              <a:ext cx="4225" cy="856"/>
+            </a:xfrm>
+            <a:prstGeom prst="rect">
+              <a:avLst/>
+            </a:prstGeom>
+            <a:solidFill>
+              <a:srgbClr val="00709E"/>
+            </a:solidFill>
+            <a:ln w="9525">
+              <a:noFill/>
+              <a:miter lim="800000"/>
+              <a:headEnd/>
+              <a:tailEnd/>
+            </a:ln>
+          </p:spPr>
+          <p:txBody>
+            <a:bodyPr/>
+            <a:lstStyle/>
+            <a:p>
+              <a:pPr latinLnBrk="0">
+                <a:defRPr/>
+              </a:pPr>
+              <a:endParaRPr kumimoji="0" lang="en-GB" dirty="0">
+                <a:ea typeface="+mn-ea"/>
+              </a:endParaRPr>
+            </a:p>
+          </p:txBody>
+        </p:sp>
+      </p:grpSp>
+      <p:pic>
+        <p:nvPicPr>
+          <p:cNvPr id="31" name="Logo Main"/>
+          <p:cNvPicPr>
+            <a:picLocks noChangeAspect="1" noChangeArrowheads="1"/>
+          </p:cNvPicPr>
+          <p:nvPr/>
+        </p:nvPicPr>
+        <p:blipFill>
+          <a:blip r:embed="rId3" cstate="print"/>
+          <a:srcRect/>
+          <a:stretch>
+            <a:fillRect/>
+          </a:stretch>
+        </p:blipFill>
+        <p:spPr bwMode="auto">
+          <a:xfrm>
+            <a:off x="238919" y="6905625"/>
+            <a:ext cx="952500" cy="363537"/>
+          </a:xfrm>
+          <a:prstGeom prst="rect">
+            <a:avLst/>
+          </a:prstGeom>
+          <a:noFill/>
+          <a:ln w="9525">
+            <a:noFill/>
+            <a:miter lim="800000"/>
+            <a:headEnd/>
+            <a:tailEnd/>
+          </a:ln>
+        </p:spPr>
+      </p:pic>
+      <p:pic>
+        <p:nvPicPr>
+          <p:cNvPr id="1026" name="Picture 2"/>
+          <p:cNvPicPr>
+            <a:picLocks noChangeAspect="1" noChangeArrowheads="1"/>
+          </p:cNvPicPr>
+          <p:nvPr/>
+        </p:nvPicPr>
+        <p:blipFill>
+          <a:blip r:embed="rId4" cstate="print"/>
+          <a:srcRect/>
+          <a:stretch>
+            <a:fillRect/>
+          </a:stretch>
+        </p:blipFill>
+        <p:spPr bwMode="auto">
+          <a:xfrm>
+            <a:off x="211425" y="3857625"/>
+            <a:ext cx="10234612" cy="2728913"/>
+          </a:xfrm>
+          <a:prstGeom prst="rect">
+            <a:avLst/>
+          </a:prstGeom>
+          <a:noFill/>
+          <a:ln w="9525">
+            <a:noFill/>
+            <a:miter lim="800000"/>
+            <a:headEnd/>
+            <a:tailEnd/>
+          </a:ln>
+        </p:spPr>
+      </p:pic>
+      <p:pic>
+        <p:nvPicPr>
+          <p:cNvPr id="1027" name="Picture 3"/>
+          <p:cNvPicPr>
+            <a:picLocks noChangeAspect="1" noChangeArrowheads="1"/>
+          </p:cNvPicPr>
+          <p:nvPr/>
+        </p:nvPicPr>
+        <p:blipFill>
+          <a:blip r:embed="rId5">
+            <a:extLst>
+              <a:ext uri="{28A0092B-C50C-407E-A947-70E740481C1C}">
+                <a14:useLocalDpi xmlns:a14="http://schemas.microsoft.com/office/drawing/2010/main" val="0"/>
+              </a:ext>
+            </a:extLst>
+          </a:blip>
+          <a:srcRect/>
+          <a:stretch>
+            <a:fillRect/>
+          </a:stretch>
+        </p:blipFill>
+        <p:spPr bwMode="auto">
+          <a:xfrm>
+            <a:off x="1000919" y="2165350"/>
+            <a:ext cx="1171575" cy="1360539"/>
+          </a:xfrm>
+          <a:prstGeom prst="rect">
+            <a:avLst/>
+          </a:prstGeom>
+          <a:noFill/>
+          <a:ln>
+            <a:noFill/>
+          </a:ln>
+          <a:effectLst/>
+          <a:extLst>
+            <a:ext uri="{909E8E84-426E-40DD-AFC4-6F175D3DCCD1}">
+              <a14:hiddenFill xmlns:a14="http://schemas.microsoft.com/office/drawing/2010/main">
+                <a:solidFill>
+                  <a:schemeClr val="accent1"/>
+                </a:solidFill>
+              </a14:hiddenFill>
+            </a:ext>
+            <a:ext uri="{91240B29-F687-4F45-9708-019B960494DF}">
+              <a14:hiddenLine xmlns:a14="http://schemas.microsoft.com/office/drawing/2010/main" w="9525">
+                <a:solidFill>
+                  <a:schemeClr val="tx1"/>
+                </a:solidFill>
+                <a:miter lim="800000"/>
+                <a:headEnd/>
+                <a:tailEnd/>
+              </a14:hiddenLine>
+            </a:ext>
+            <a:ext uri="{AF507438-7753-43E0-B8FC-AC1667EBCBE1}">
+              <a14:hiddenEffects xmlns:a14="http://schemas.microsoft.com/office/drawing/2010/main">
+                <a:effectLst>
+                  <a:outerShdw dist="35921" dir="2700000" algn="ctr" rotWithShape="0">
+                    <a:schemeClr val="bg2"/>
+                  </a:outerShdw>
+                </a:effectLst>
+              </a14:hiddenEffects>
+            </a:ext>
+          </a:extLst>
+        </p:spPr>
+      </p:pic>
+      <p:pic>
+        <p:nvPicPr>
+          <p:cNvPr id="14" name="Picture 13"/>
+          <p:cNvPicPr>
+            <a:picLocks noChangeAspect="1" noChangeArrowheads="1"/>
+          </p:cNvPicPr>
+          <p:nvPr/>
+        </p:nvPicPr>
+        <p:blipFill>
+          <a:blip r:embed="rId6" cstate="print"/>
+          <a:srcRect/>
+          <a:stretch>
+            <a:fillRect/>
+          </a:stretch>
+        </p:blipFill>
+        <p:spPr bwMode="auto">
+          <a:xfrm>
+            <a:off x="7286564" y="2165350"/>
+            <a:ext cx="1219200" cy="1286189"/>
+          </a:xfrm>
+          <a:prstGeom prst="rect">
+            <a:avLst/>
+          </a:prstGeom>
+          <a:noFill/>
+          <a:ln w="1">
+            <a:noFill/>
+            <a:miter lim="800000"/>
+            <a:headEnd/>
+            <a:tailEnd type="none" w="med" len="med"/>
+          </a:ln>
+          <a:effectLst/>
+        </p:spPr>
+      </p:pic>
+      <p:sp>
+        <p:nvSpPr>
+          <p:cNvPr id="15" name="TextBox 14"/>
+          <p:cNvSpPr txBox="1"/>
+          <p:nvPr/>
+        </p:nvSpPr>
+        <p:spPr>
+          <a:xfrm>
+            <a:off x="7645775" y="1495425"/>
+            <a:ext cx="500778" cy="400110"/>
+          </a:xfrm>
+          <a:prstGeom prst="rect">
+            <a:avLst/>
+          </a:prstGeom>
+          <a:noFill/>
+        </p:spPr>
+        <p:txBody>
+          <a:bodyPr wrap="none" rtlCol="0">
+            <a:spAutoFit/>
+          </a:bodyPr>
+          <a:lstStyle/>
+          <a:p>
+            <a:r>
+              <a:rPr lang="en-GB" dirty="0" smtClean="0"/>
+              <a:t>AO</a:t>
+            </a:r>
+          </a:p>
+        </p:txBody>
+      </p:sp>
+      <p:sp>
+        <p:nvSpPr>
+          <p:cNvPr id="17" name="TextBox 16"/>
+          <p:cNvSpPr txBox="1"/>
+          <p:nvPr/>
+        </p:nvSpPr>
+        <p:spPr>
+          <a:xfrm>
+            <a:off x="924719" y="1730405"/>
+            <a:ext cx="1295400" cy="400110"/>
+          </a:xfrm>
+          <a:prstGeom prst="rect">
+            <a:avLst/>
+          </a:prstGeom>
+          <a:noFill/>
+        </p:spPr>
+        <p:txBody>
+          <a:bodyPr wrap="square" rtlCol="0">
+            <a:spAutoFit/>
+          </a:bodyPr>
+          <a:lstStyle/>
+          <a:p>
+            <a:r>
+              <a:rPr lang="en-GB" dirty="0" smtClean="0"/>
+              <a:t>Requestor</a:t>
+            </a:r>
+            <a:endParaRPr lang="en-GB" dirty="0" smtClean="0"/>
+          </a:p>
+        </p:txBody>
+      </p:sp>
+      <p:cxnSp>
+        <p:nvCxnSpPr>
+          <p:cNvPr id="6" name="Straight Arrow Connector 5"/>
+          <p:cNvCxnSpPr>
+            <a:stCxn id="1027" idx="3"/>
+            <a:endCxn id="14" idx="1"/>
+          </p:cNvCxnSpPr>
+          <p:nvPr/>
+        </p:nvCxnSpPr>
+        <p:spPr>
+          <a:xfrm flipV="1">
+            <a:off x="2172494" y="2808445"/>
+            <a:ext cx="5114070" cy="37175"/>
+          </a:xfrm>
+          <a:prstGeom prst="straightConnector1">
+            <a:avLst/>
+          </a:prstGeom>
+          <a:ln>
+            <a:tailEnd type="arrow"/>
+          </a:ln>
+        </p:spPr>
+        <p:style>
+          <a:lnRef idx="1">
+            <a:schemeClr val="accent1"/>
+          </a:lnRef>
+          <a:fillRef idx="0">
+            <a:schemeClr val="accent1"/>
+          </a:fillRef>
+          <a:effectRef idx="0">
+            <a:schemeClr val="accent1"/>
+          </a:effectRef>
+          <a:fontRef idx="minor">
+            <a:schemeClr val="tx1"/>
+          </a:fontRef>
+        </p:style>
+      </p:cxnSp>
+    </p:spTree>
+  </p:cSld>
+  <p:clrMapOvr>
+    <a:masterClrMapping/>
+  </p:clrMapOvr>
+  <p:timing>
+    <p:tnLst>
+      <p:par>
+        <p:cTn id="1" dur="indefinite" restart="never" nodeType="tmRoot">
+          <p:childTnLst>
+            <p:seq concurrent="1" nextAc="seek">
+              <p:cTn id="2" dur="indefinite" nodeType="mainSeq">
+                <p:childTnLst>
+                  <p:par>
+                    <p:cTn id="3" fill="hold">
+                      <p:stCondLst>
+                        <p:cond delay="indefinite"/>
+                      </p:stCondLst>
+                      <p:childTnLst>
+                        <p:par>
+                          <p:cTn id="4" fill="hold">
+                            <p:stCondLst>
+                              <p:cond delay="0"/>
+                            </p:stCondLst>
+                            <p:childTnLst>
+                              <p:par>
+                                <p:cTn id="5" presetID="10" presetClass="entr" presetSubtype="0" fill="hold" nodeType="clickEffect">
+                                  <p:stCondLst>
+                                    <p:cond delay="0"/>
+                                  </p:stCondLst>
+                                  <p:childTnLst>
+                                    <p:set>
+                                      <p:cBhvr>
+                                        <p:cTn id="6" dur="1" fill="hold">
+                                          <p:stCondLst>
+                                            <p:cond delay="0"/>
+                                          </p:stCondLst>
+                                        </p:cTn>
+                                        <p:tgtEl>
+                                          <p:spTgt spid="14"/>
+                                        </p:tgtEl>
+                                        <p:attrNameLst>
+                                          <p:attrName>style.visibility</p:attrName>
+                                        </p:attrNameLst>
+                                      </p:cBhvr>
+                                      <p:to>
+                                        <p:strVal val="visible"/>
+                                      </p:to>
+                                    </p:set>
+                                    <p:animEffect transition="in" filter="fade">
+                                      <p:cBhvr>
+                                        <p:cTn id="7" dur="500"/>
+                                        <p:tgtEl>
+                                          <p:spTgt spid="14"/>
+                                        </p:tgtEl>
+                                      </p:cBhvr>
+                                    </p:animEffect>
+                                  </p:childTnLst>
+                                </p:cTn>
+                              </p:par>
+                              <p:par>
+                                <p:cTn id="8" presetID="10" presetClass="entr" presetSubtype="0" fill="hold" grpId="0" nodeType="withEffect">
+                                  <p:stCondLst>
+                                    <p:cond delay="0"/>
+                                  </p:stCondLst>
+                                  <p:childTnLst>
+                                    <p:set>
+                                      <p:cBhvr>
+                                        <p:cTn id="9" dur="1" fill="hold">
+                                          <p:stCondLst>
+                                            <p:cond delay="0"/>
+                                          </p:stCondLst>
+                                        </p:cTn>
+                                        <p:tgtEl>
+                                          <p:spTgt spid="15"/>
+                                        </p:tgtEl>
+                                        <p:attrNameLst>
+                                          <p:attrName>style.visibility</p:attrName>
+                                        </p:attrNameLst>
+                                      </p:cBhvr>
+                                      <p:to>
+                                        <p:strVal val="visible"/>
+                                      </p:to>
+                                    </p:set>
+                                    <p:animEffect transition="in" filter="fade">
+                                      <p:cBhvr>
+                                        <p:cTn id="10" dur="500"/>
+                                        <p:tgtEl>
+                                          <p:spTgt spid="15"/>
+                                        </p:tgtEl>
+                                      </p:cBhvr>
+                                    </p:animEffect>
+                                  </p:childTnLst>
+                                </p:cTn>
+                              </p:par>
+                              <p:par>
+                                <p:cTn id="11" presetID="10" presetClass="entr" presetSubtype="0" fill="hold" grpId="0" nodeType="withEffect">
+                                  <p:stCondLst>
+                                    <p:cond delay="0"/>
+                                  </p:stCondLst>
+                                  <p:childTnLst>
+                                    <p:set>
+                                      <p:cBhvr>
+                                        <p:cTn id="12" dur="1" fill="hold">
+                                          <p:stCondLst>
+                                            <p:cond delay="0"/>
+                                          </p:stCondLst>
+                                        </p:cTn>
+                                        <p:tgtEl>
+                                          <p:spTgt spid="17"/>
+                                        </p:tgtEl>
+                                        <p:attrNameLst>
+                                          <p:attrName>style.visibility</p:attrName>
+                                        </p:attrNameLst>
+                                      </p:cBhvr>
+                                      <p:to>
+                                        <p:strVal val="visible"/>
+                                      </p:to>
+                                    </p:set>
+                                    <p:animEffect transition="in" filter="fade">
+                                      <p:cBhvr>
+                                        <p:cTn id="13" dur="500"/>
+                                        <p:tgtEl>
+                                          <p:spTgt spid="17"/>
+                                        </p:tgtEl>
+                                      </p:cBhvr>
+                                    </p:animEffect>
+                                  </p:childTnLst>
+                                </p:cTn>
+                              </p:par>
+                              <p:par>
+                                <p:cTn id="14" presetID="10" presetClass="entr" presetSubtype="0" fill="hold" nodeType="withEffect">
+                                  <p:stCondLst>
+                                    <p:cond delay="0"/>
+                                  </p:stCondLst>
+                                  <p:childTnLst>
+                                    <p:set>
+                                      <p:cBhvr>
+                                        <p:cTn id="15" dur="1" fill="hold">
+                                          <p:stCondLst>
+                                            <p:cond delay="0"/>
+                                          </p:stCondLst>
+                                        </p:cTn>
+                                        <p:tgtEl>
+                                          <p:spTgt spid="1027"/>
+                                        </p:tgtEl>
+                                        <p:attrNameLst>
+                                          <p:attrName>style.visibility</p:attrName>
+                                        </p:attrNameLst>
+                                      </p:cBhvr>
+                                      <p:to>
+                                        <p:strVal val="visible"/>
+                                      </p:to>
+                                    </p:set>
+                                    <p:animEffect transition="in" filter="fade">
+                                      <p:cBhvr>
+                                        <p:cTn id="16" dur="500"/>
+                                        <p:tgtEl>
+                                          <p:spTgt spid="1027"/>
+                                        </p:tgtEl>
+                                      </p:cBhvr>
+                                    </p:animEffect>
+                                  </p:childTnLst>
+                                </p:cTn>
+                              </p:par>
+                              <p:par>
+                                <p:cTn id="17" presetID="10" presetClass="entr" presetSubtype="0" fill="hold" nodeType="withEffect">
+                                  <p:stCondLst>
+                                    <p:cond delay="0"/>
+                                  </p:stCondLst>
+                                  <p:childTnLst>
+                                    <p:set>
+                                      <p:cBhvr>
+                                        <p:cTn id="18" dur="1" fill="hold">
+                                          <p:stCondLst>
+                                            <p:cond delay="0"/>
+                                          </p:stCondLst>
+                                        </p:cTn>
+                                        <p:tgtEl>
+                                          <p:spTgt spid="6"/>
+                                        </p:tgtEl>
+                                        <p:attrNameLst>
+                                          <p:attrName>style.visibility</p:attrName>
+                                        </p:attrNameLst>
+                                      </p:cBhvr>
+                                      <p:to>
+                                        <p:strVal val="visible"/>
+                                      </p:to>
+                                    </p:set>
+                                    <p:animEffect transition="in" filter="fade">
+                                      <p:cBhvr>
+                                        <p:cTn id="19" dur="500"/>
+                                        <p:tgtEl>
+                                          <p:spTgt spid="6"/>
+                                        </p:tgtEl>
+                                      </p:cBhvr>
+                                    </p:animEffect>
+                                  </p:childTnLst>
+                                </p:cTn>
+                              </p:par>
+                            </p:childTnLst>
+                          </p:cTn>
+                        </p:par>
+                      </p:childTnLst>
+                    </p:cTn>
+                  </p:par>
+                  <p:par>
+                    <p:cTn id="20" fill="hold">
+                      <p:stCondLst>
+                        <p:cond delay="indefinite"/>
+                      </p:stCondLst>
+                      <p:childTnLst>
+                        <p:par>
+                          <p:cTn id="21" fill="hold">
+                            <p:stCondLst>
+                              <p:cond delay="0"/>
+                            </p:stCondLst>
+                            <p:childTnLst>
+                              <p:par>
+                                <p:cTn id="22" presetID="10" presetClass="entr" presetSubtype="0" fill="hold" nodeType="clickEffect">
+                                  <p:stCondLst>
+                                    <p:cond delay="0"/>
+                                  </p:stCondLst>
+                                  <p:childTnLst>
+                                    <p:set>
+                                      <p:cBhvr>
+                                        <p:cTn id="23" dur="1" fill="hold">
+                                          <p:stCondLst>
+                                            <p:cond delay="0"/>
+                                          </p:stCondLst>
+                                        </p:cTn>
+                                        <p:tgtEl>
+                                          <p:spTgt spid="1026"/>
+                                        </p:tgtEl>
+                                        <p:attrNameLst>
+                                          <p:attrName>style.visibility</p:attrName>
+                                        </p:attrNameLst>
+                                      </p:cBhvr>
+                                      <p:to>
+                                        <p:strVal val="visible"/>
+                                      </p:to>
+                                    </p:set>
+                                    <p:animEffect transition="in" filter="fade">
+                                      <p:cBhvr>
+                                        <p:cTn id="24" dur="500"/>
+                                        <p:tgtEl>
+                                          <p:spTgt spid="1026"/>
+                                        </p:tgtEl>
+                                      </p:cBhvr>
+                                    </p:animEffect>
+                                  </p:childTnLst>
+                                </p:cTn>
+                              </p:par>
+                            </p:childTnLst>
+                          </p:cTn>
+                        </p:par>
+                      </p:childTnLst>
+                    </p:cTn>
+                  </p:par>
+                </p:childTnLst>
+              </p:cTn>
+              <p:prevCondLst>
+                <p:cond evt="onPrev" delay="0">
+                  <p:tgtEl>
+                    <p:sldTgt/>
+                  </p:tgtEl>
+                </p:cond>
+              </p:prevCondLst>
+              <p:nextCondLst>
+                <p:cond evt="onNext" delay="0">
+                  <p:tgtEl>
+                    <p:sldTgt/>
+                  </p:tgtEl>
+                </p:cond>
+              </p:nextCondLst>
+            </p:seq>
+          </p:childTnLst>
+        </p:cTn>
+      </p:par>
+    </p:tnLst>
+    <p:bldLst>
+      <p:bldP spid="15" grpId="0"/>
+      <p:bldP spid="17" grpId="0"/>
+    </p:bldLst>
+  </p:timing>
+</p:sld>
+</file>
+
+<file path=ppt/slides/slide4.xml><?xml version="1.0" encoding="utf-8"?>
+<p:sld xmlns:a="http://schemas.openxmlformats.org/drawingml/2006/main" xmlns:r="http://schemas.openxmlformats.org/officeDocument/2006/relationships" xmlns:p="http://schemas.openxmlformats.org/presentationml/2006/main">
+  <p:cSld>
+    <p:spTree>
+      <p:nvGrpSpPr>
+        <p:cNvPr id="1" name=""/>
+        <p:cNvGrpSpPr/>
+        <p:nvPr/>
+      </p:nvGrpSpPr>
+      <p:grpSpPr>
+        <a:xfrm>
+          <a:off x="0" y="0"/>
+          <a:ext cx="0" cy="0"/>
+          <a:chOff x="0" y="0"/>
+          <a:chExt cx="0" cy="0"/>
+        </a:xfrm>
+      </p:grpSpPr>
+      <p:sp>
+        <p:nvSpPr>
+          <p:cNvPr id="4" name="Rectangle 2"/>
+          <p:cNvSpPr>
+            <a:spLocks noChangeArrowheads="1"/>
+          </p:cNvSpPr>
+          <p:nvPr/>
+        </p:nvSpPr>
+        <p:spPr bwMode="auto">
+          <a:xfrm>
+            <a:off x="233993" y="252042"/>
+            <a:ext cx="10214425" cy="714119"/>
+          </a:xfrm>
+          <a:prstGeom prst="rect">
+            <a:avLst/>
+          </a:prstGeom>
+          <a:noFill/>
+          <a:ln w="9525" algn="ctr">
+            <a:noFill/>
+            <a:miter lim="800000"/>
+            <a:headEnd/>
+            <a:tailEnd/>
+          </a:ln>
+        </p:spPr>
+        <p:txBody>
+          <a:bodyPr lIns="98122" tIns="49105" rIns="98122" bIns="49105" anchor="b"/>
+          <a:lstStyle/>
+          <a:p>
+            <a:pPr defTabSz="984185" latinLnBrk="0"/>
+            <a:endParaRPr lang="en-US" sz="2700" b="1" dirty="0">
+              <a:solidFill>
+                <a:srgbClr val="5F5F5F"/>
+              </a:solidFill>
+              <a:latin typeface="Helvetica"/>
+            </a:endParaRPr>
+          </a:p>
+        </p:txBody>
+      </p:sp>
+      <p:sp>
+        <p:nvSpPr>
+          <p:cNvPr id="21" name="Title 1"/>
+          <p:cNvSpPr txBox="1">
+            <a:spLocks/>
+          </p:cNvSpPr>
+          <p:nvPr/>
+        </p:nvSpPr>
+        <p:spPr>
+          <a:xfrm>
+            <a:off x="450850" y="276225"/>
+            <a:ext cx="9791700" cy="739776"/>
+          </a:xfrm>
+          <a:prstGeom prst="rect">
+            <a:avLst/>
+          </a:prstGeom>
+        </p:spPr>
+        <p:txBody>
+          <a:bodyPr lIns="90416" tIns="45209" rIns="90416" bIns="45209" anchor="ctr" anchorCtr="0"/>
+          <a:lstStyle/>
+          <a:p>
+            <a:pPr defTabSz="1031340" eaLnBrk="0" hangingPunct="0">
+              <a:defRPr/>
+            </a:pPr>
+            <a:r>
+              <a:rPr lang="en-US" sz="2400" dirty="0" smtClean="0"/>
+              <a:t>Current Business Workflow</a:t>
+            </a:r>
+            <a:endParaRPr lang="en-GB" sz="2400" i="1" dirty="0">
+              <a:solidFill>
+                <a:srgbClr val="005C87"/>
+              </a:solidFill>
+              <a:latin typeface="Arial"/>
+            </a:endParaRPr>
+          </a:p>
+        </p:txBody>
+      </p:sp>
+      <p:grpSp>
+        <p:nvGrpSpPr>
+          <p:cNvPr id="2" name="Group 80"/>
+          <p:cNvGrpSpPr>
+            <a:grpSpLocks/>
+          </p:cNvGrpSpPr>
+          <p:nvPr/>
+        </p:nvGrpSpPr>
+        <p:grpSpPr bwMode="auto">
+          <a:xfrm>
+            <a:off x="0" y="1190625"/>
+            <a:ext cx="10688228" cy="84071"/>
+            <a:chOff x="0" y="16273"/>
+            <a:chExt cx="10179" cy="856"/>
+          </a:xfrm>
+        </p:grpSpPr>
+        <p:sp>
+          <p:nvSpPr>
+            <p:cNvPr id="26" name="Rectangle 81"/>
+            <p:cNvSpPr>
+              <a:spLocks noChangeArrowheads="1"/>
+            </p:cNvSpPr>
+            <p:nvPr/>
+          </p:nvSpPr>
+          <p:spPr bwMode="auto">
+            <a:xfrm>
+              <a:off x="0" y="16273"/>
+              <a:ext cx="2380" cy="713"/>
+            </a:xfrm>
+            <a:prstGeom prst="rect">
+              <a:avLst/>
+            </a:prstGeom>
+            <a:solidFill>
+              <a:srgbClr val="6DC067"/>
+            </a:solidFill>
+            <a:ln w="9525">
+              <a:noFill/>
+              <a:miter lim="800000"/>
+              <a:headEnd/>
+              <a:tailEnd/>
+            </a:ln>
+          </p:spPr>
+          <p:txBody>
+            <a:bodyPr/>
+            <a:lstStyle/>
+            <a:p>
+              <a:pPr latinLnBrk="0">
+                <a:defRPr/>
+              </a:pPr>
+              <a:endParaRPr kumimoji="0" lang="en-GB" dirty="0">
+                <a:ea typeface="+mn-ea"/>
+              </a:endParaRPr>
+            </a:p>
+          </p:txBody>
+        </p:sp>
+        <p:sp>
+          <p:nvSpPr>
+            <p:cNvPr id="27" name="Rectangle 82"/>
+            <p:cNvSpPr>
+              <a:spLocks noChangeArrowheads="1"/>
+            </p:cNvSpPr>
+            <p:nvPr/>
+          </p:nvSpPr>
+          <p:spPr bwMode="auto">
+            <a:xfrm>
+              <a:off x="2380" y="16273"/>
+              <a:ext cx="1191" cy="713"/>
+            </a:xfrm>
+            <a:prstGeom prst="rect">
+              <a:avLst/>
+            </a:prstGeom>
+            <a:solidFill>
+              <a:srgbClr val="22AA47"/>
+            </a:solidFill>
+            <a:ln w="9525">
+              <a:noFill/>
+              <a:miter lim="800000"/>
+              <a:headEnd/>
+              <a:tailEnd/>
+            </a:ln>
+          </p:spPr>
+          <p:txBody>
+            <a:bodyPr/>
+            <a:lstStyle/>
+            <a:p>
+              <a:pPr latinLnBrk="0">
+                <a:defRPr/>
+              </a:pPr>
+              <a:endParaRPr kumimoji="0" lang="en-GB" dirty="0">
+                <a:ea typeface="+mn-ea"/>
+              </a:endParaRPr>
+            </a:p>
+          </p:txBody>
+        </p:sp>
+        <p:sp>
+          <p:nvSpPr>
+            <p:cNvPr id="28" name="Rectangle 83"/>
+            <p:cNvSpPr>
+              <a:spLocks noChangeArrowheads="1"/>
+            </p:cNvSpPr>
+            <p:nvPr/>
+          </p:nvSpPr>
+          <p:spPr bwMode="auto">
+            <a:xfrm>
+              <a:off x="3572" y="16273"/>
+              <a:ext cx="1787" cy="713"/>
+            </a:xfrm>
+            <a:prstGeom prst="rect">
+              <a:avLst/>
+            </a:prstGeom>
+            <a:solidFill>
+              <a:srgbClr val="005C86"/>
+            </a:solidFill>
+            <a:ln w="9525">
+              <a:noFill/>
+              <a:miter lim="800000"/>
+              <a:headEnd/>
+              <a:tailEnd/>
+            </a:ln>
+          </p:spPr>
+          <p:txBody>
+            <a:bodyPr/>
+            <a:lstStyle/>
+            <a:p>
+              <a:pPr latinLnBrk="0">
+                <a:defRPr/>
+              </a:pPr>
+              <a:endParaRPr kumimoji="0" lang="en-GB" dirty="0">
+                <a:ea typeface="+mn-ea"/>
+              </a:endParaRPr>
+            </a:p>
+          </p:txBody>
+        </p:sp>
+        <p:sp>
+          <p:nvSpPr>
+            <p:cNvPr id="29" name="Rectangle 84"/>
+            <p:cNvSpPr>
+              <a:spLocks noChangeArrowheads="1"/>
+            </p:cNvSpPr>
+            <p:nvPr/>
+          </p:nvSpPr>
+          <p:spPr bwMode="auto">
+            <a:xfrm>
+              <a:off x="5358" y="16273"/>
+              <a:ext cx="596" cy="713"/>
+            </a:xfrm>
+            <a:prstGeom prst="rect">
+              <a:avLst/>
+            </a:prstGeom>
+            <a:solidFill>
+              <a:srgbClr val="009BD9"/>
+            </a:solidFill>
+            <a:ln w="9525">
+              <a:noFill/>
+              <a:miter lim="800000"/>
+              <a:headEnd/>
+              <a:tailEnd/>
+            </a:ln>
+          </p:spPr>
+          <p:txBody>
+            <a:bodyPr/>
+            <a:lstStyle/>
+            <a:p>
+              <a:pPr latinLnBrk="0">
+                <a:defRPr/>
+              </a:pPr>
+              <a:endParaRPr kumimoji="0" lang="en-GB" dirty="0">
+                <a:ea typeface="+mn-ea"/>
+              </a:endParaRPr>
+            </a:p>
+          </p:txBody>
+        </p:sp>
+        <p:sp>
+          <p:nvSpPr>
+            <p:cNvPr id="30" name="Rectangle 85"/>
+            <p:cNvSpPr>
+              <a:spLocks noChangeArrowheads="1"/>
+            </p:cNvSpPr>
+            <p:nvPr/>
+          </p:nvSpPr>
+          <p:spPr bwMode="auto">
+            <a:xfrm>
+              <a:off x="5954" y="16273"/>
+              <a:ext cx="4225" cy="856"/>
+            </a:xfrm>
+            <a:prstGeom prst="rect">
+              <a:avLst/>
+            </a:prstGeom>
+            <a:solidFill>
+              <a:srgbClr val="00709E"/>
+            </a:solidFill>
+            <a:ln w="9525">
+              <a:noFill/>
+              <a:miter lim="800000"/>
+              <a:headEnd/>
+              <a:tailEnd/>
+            </a:ln>
+          </p:spPr>
+          <p:txBody>
+            <a:bodyPr/>
+            <a:lstStyle/>
+            <a:p>
+              <a:pPr latinLnBrk="0">
+                <a:defRPr/>
+              </a:pPr>
+              <a:endParaRPr kumimoji="0" lang="en-GB" dirty="0">
+                <a:ea typeface="+mn-ea"/>
+              </a:endParaRPr>
+            </a:p>
+          </p:txBody>
+        </p:sp>
+      </p:grpSp>
+      <p:pic>
+        <p:nvPicPr>
+          <p:cNvPr id="31" name="Logo Main"/>
+          <p:cNvPicPr>
+            <a:picLocks noChangeAspect="1" noChangeArrowheads="1"/>
+          </p:cNvPicPr>
+          <p:nvPr/>
+        </p:nvPicPr>
+        <p:blipFill>
+          <a:blip r:embed="rId3" cstate="print"/>
+          <a:srcRect/>
+          <a:stretch>
+            <a:fillRect/>
+          </a:stretch>
+        </p:blipFill>
+        <p:spPr bwMode="auto">
+          <a:xfrm>
+            <a:off x="238919" y="6905625"/>
+            <a:ext cx="952500" cy="363537"/>
+          </a:xfrm>
+          <a:prstGeom prst="rect">
+            <a:avLst/>
+          </a:prstGeom>
+          <a:noFill/>
+          <a:ln w="9525">
+            <a:noFill/>
+            <a:miter lim="800000"/>
+            <a:headEnd/>
+            <a:tailEnd/>
+          </a:ln>
+        </p:spPr>
+      </p:pic>
+      <p:pic>
+        <p:nvPicPr>
+          <p:cNvPr id="11" name="Picture 10"/>
+          <p:cNvPicPr>
+            <a:picLocks noChangeAspect="1" noChangeArrowheads="1"/>
+          </p:cNvPicPr>
+          <p:nvPr/>
+        </p:nvPicPr>
+        <p:blipFill>
+          <a:blip r:embed="rId4" cstate="print"/>
+          <a:srcRect/>
+          <a:stretch>
+            <a:fillRect/>
+          </a:stretch>
+        </p:blipFill>
+        <p:spPr bwMode="auto">
+          <a:xfrm>
+            <a:off x="8697119" y="2252345"/>
+            <a:ext cx="1066800" cy="1125415"/>
+          </a:xfrm>
+          <a:prstGeom prst="rect">
+            <a:avLst/>
+          </a:prstGeom>
+          <a:noFill/>
+          <a:ln w="1">
+            <a:noFill/>
+            <a:miter lim="800000"/>
+            <a:headEnd/>
+            <a:tailEnd type="none" w="med" len="med"/>
+          </a:ln>
+          <a:effectLst/>
+        </p:spPr>
+      </p:pic>
+      <p:pic>
+        <p:nvPicPr>
+          <p:cNvPr id="12" name="Picture 11"/>
+          <p:cNvPicPr>
+            <a:picLocks noChangeAspect="1" noChangeArrowheads="1"/>
+          </p:cNvPicPr>
+          <p:nvPr/>
+        </p:nvPicPr>
+        <p:blipFill>
+          <a:blip r:embed="rId5" cstate="print"/>
+          <a:srcRect/>
+          <a:stretch>
+            <a:fillRect/>
+          </a:stretch>
+        </p:blipFill>
+        <p:spPr bwMode="auto">
+          <a:xfrm>
+            <a:off x="696119" y="2181225"/>
+            <a:ext cx="1219200" cy="1286189"/>
+          </a:xfrm>
+          <a:prstGeom prst="rect">
+            <a:avLst/>
+          </a:prstGeom>
+          <a:noFill/>
+          <a:ln w="1">
+            <a:noFill/>
+            <a:miter lim="800000"/>
+            <a:headEnd/>
+            <a:tailEnd type="none" w="med" len="med"/>
+          </a:ln>
+          <a:effectLst/>
+        </p:spPr>
+      </p:pic>
+      <p:sp>
+        <p:nvSpPr>
+          <p:cNvPr id="13" name="TextBox 12"/>
+          <p:cNvSpPr txBox="1"/>
+          <p:nvPr/>
+        </p:nvSpPr>
+        <p:spPr>
+          <a:xfrm>
+            <a:off x="1077119" y="1800225"/>
+            <a:ext cx="500778" cy="400110"/>
+          </a:xfrm>
+          <a:prstGeom prst="rect">
+            <a:avLst/>
+          </a:prstGeom>
+          <a:noFill/>
+        </p:spPr>
+        <p:txBody>
+          <a:bodyPr wrap="none" rtlCol="0">
+            <a:spAutoFit/>
+          </a:bodyPr>
+          <a:lstStyle/>
+          <a:p>
+            <a:r>
+              <a:rPr lang="en-GB" dirty="0" smtClean="0"/>
+              <a:t>AO</a:t>
+            </a:r>
+          </a:p>
+        </p:txBody>
+      </p:sp>
+      <p:sp>
+        <p:nvSpPr>
+          <p:cNvPr id="14" name="Rectangle 13"/>
+          <p:cNvSpPr/>
+          <p:nvPr/>
+        </p:nvSpPr>
+        <p:spPr>
+          <a:xfrm>
+            <a:off x="2753519" y="2445385"/>
+            <a:ext cx="914400" cy="762000"/>
+          </a:xfrm>
+          <a:prstGeom prst="rect">
+            <a:avLst/>
+          </a:prstGeom>
+        </p:spPr>
+        <p:style>
+          <a:lnRef idx="2">
+            <a:schemeClr val="accent1">
+              <a:shade val="50000"/>
+            </a:schemeClr>
+          </a:lnRef>
+          <a:fillRef idx="1">
+            <a:schemeClr val="accent1"/>
+          </a:fillRef>
+          <a:effectRef idx="0">
+            <a:schemeClr val="accent1"/>
+          </a:effectRef>
+          <a:fontRef idx="minor">
+            <a:schemeClr val="lt1"/>
+          </a:fontRef>
+        </p:style>
+        <p:txBody>
+          <a:bodyPr rtlCol="0" anchor="ctr"/>
+          <a:lstStyle/>
+          <a:p>
+            <a:pPr algn="ctr"/>
+            <a:r>
+              <a:rPr lang="en-GB" sz="1600" dirty="0" smtClean="0"/>
+              <a:t>Register Invoice</a:t>
+            </a:r>
+            <a:endParaRPr lang="en-GB" sz="1600" dirty="0"/>
+          </a:p>
+        </p:txBody>
+      </p:sp>
+      <p:cxnSp>
+        <p:nvCxnSpPr>
+          <p:cNvPr id="16" name="Straight Arrow Connector 15"/>
+          <p:cNvCxnSpPr>
+            <a:stCxn id="12" idx="3"/>
+            <a:endCxn id="14" idx="1"/>
+          </p:cNvCxnSpPr>
+          <p:nvPr/>
+        </p:nvCxnSpPr>
+        <p:spPr>
+          <a:xfrm>
+            <a:off x="1915319" y="2824320"/>
+            <a:ext cx="838200" cy="2065"/>
+          </a:xfrm>
+          <a:prstGeom prst="straightConnector1">
+            <a:avLst/>
+          </a:prstGeom>
+          <a:ln>
+            <a:tailEnd type="arrow"/>
+          </a:ln>
+        </p:spPr>
+        <p:style>
+          <a:lnRef idx="1">
+            <a:schemeClr val="accent1"/>
+          </a:lnRef>
+          <a:fillRef idx="0">
+            <a:schemeClr val="accent1"/>
+          </a:fillRef>
+          <a:effectRef idx="0">
+            <a:schemeClr val="accent1"/>
+          </a:effectRef>
+          <a:fontRef idx="minor">
+            <a:schemeClr val="tx1"/>
+          </a:fontRef>
+        </p:style>
+      </p:cxnSp>
+      <p:sp>
+        <p:nvSpPr>
+          <p:cNvPr id="18" name="Diamond 17"/>
+          <p:cNvSpPr/>
+          <p:nvPr/>
+        </p:nvSpPr>
+        <p:spPr>
+          <a:xfrm>
+            <a:off x="4226719" y="2333625"/>
+            <a:ext cx="1371600" cy="990600"/>
+          </a:xfrm>
+          <a:prstGeom prst="diamond">
+            <a:avLst/>
+          </a:prstGeom>
+        </p:spPr>
+        <p:style>
+          <a:lnRef idx="2">
+            <a:schemeClr val="accent1">
+              <a:shade val="50000"/>
+            </a:schemeClr>
+          </a:lnRef>
+          <a:fillRef idx="1">
+            <a:schemeClr val="accent1"/>
+          </a:fillRef>
+          <a:effectRef idx="0">
+            <a:schemeClr val="accent1"/>
+          </a:effectRef>
+          <a:fontRef idx="minor">
+            <a:schemeClr val="lt1"/>
+          </a:fontRef>
+        </p:style>
+        <p:txBody>
+          <a:bodyPr rtlCol="0" anchor="ctr"/>
+          <a:lstStyle/>
+          <a:p>
+            <a:pPr algn="ctr"/>
+            <a:r>
+              <a:rPr lang="en-GB" sz="1600" dirty="0" smtClean="0"/>
+              <a:t>Verify By BRCC</a:t>
+            </a:r>
+            <a:endParaRPr lang="en-GB" sz="1600" dirty="0"/>
+          </a:p>
+        </p:txBody>
+      </p:sp>
+      <p:cxnSp>
+        <p:nvCxnSpPr>
+          <p:cNvPr id="20" name="Straight Arrow Connector 19"/>
+          <p:cNvCxnSpPr>
+            <a:endCxn id="18" idx="1"/>
+          </p:cNvCxnSpPr>
+          <p:nvPr/>
+        </p:nvCxnSpPr>
+        <p:spPr>
+          <a:xfrm>
+            <a:off x="3693319" y="2826385"/>
+            <a:ext cx="533400" cy="2540"/>
+          </a:xfrm>
+          <a:prstGeom prst="straightConnector1">
+            <a:avLst/>
+          </a:prstGeom>
+          <a:ln>
+            <a:tailEnd type="arrow"/>
+          </a:ln>
+        </p:spPr>
+        <p:style>
+          <a:lnRef idx="1">
+            <a:schemeClr val="accent1"/>
+          </a:lnRef>
+          <a:fillRef idx="0">
+            <a:schemeClr val="accent1"/>
+          </a:fillRef>
+          <a:effectRef idx="0">
+            <a:schemeClr val="accent1"/>
+          </a:effectRef>
+          <a:fontRef idx="minor">
+            <a:schemeClr val="tx1"/>
+          </a:fontRef>
+        </p:style>
+      </p:cxnSp>
+      <p:cxnSp>
+        <p:nvCxnSpPr>
+          <p:cNvPr id="23" name="Straight Arrow Connector 22"/>
+          <p:cNvCxnSpPr>
+            <a:stCxn id="18" idx="3"/>
+            <a:endCxn id="40" idx="1"/>
+          </p:cNvCxnSpPr>
+          <p:nvPr/>
+        </p:nvCxnSpPr>
+        <p:spPr>
+          <a:xfrm flipV="1">
+            <a:off x="5598319" y="2816225"/>
+            <a:ext cx="949960" cy="12700"/>
+          </a:xfrm>
+          <a:prstGeom prst="straightConnector1">
+            <a:avLst/>
+          </a:prstGeom>
+          <a:ln>
+            <a:tailEnd type="arrow"/>
+          </a:ln>
+        </p:spPr>
+        <p:style>
+          <a:lnRef idx="1">
+            <a:schemeClr val="accent1"/>
+          </a:lnRef>
+          <a:fillRef idx="0">
+            <a:schemeClr val="accent1"/>
+          </a:fillRef>
+          <a:effectRef idx="0">
+            <a:schemeClr val="accent1"/>
+          </a:effectRef>
+          <a:fontRef idx="minor">
+            <a:schemeClr val="tx1"/>
+          </a:fontRef>
+        </p:style>
+      </p:cxnSp>
+      <p:sp>
+        <p:nvSpPr>
+          <p:cNvPr id="24" name="TextBox 23"/>
+          <p:cNvSpPr txBox="1"/>
+          <p:nvPr/>
+        </p:nvSpPr>
+        <p:spPr>
+          <a:xfrm>
+            <a:off x="8722519" y="1800225"/>
+            <a:ext cx="970587" cy="400110"/>
+          </a:xfrm>
+          <a:prstGeom prst="rect">
+            <a:avLst/>
+          </a:prstGeom>
+          <a:noFill/>
+        </p:spPr>
+        <p:txBody>
+          <a:bodyPr wrap="none" rtlCol="0">
+            <a:spAutoFit/>
+          </a:bodyPr>
+          <a:lstStyle/>
+          <a:p>
+            <a:r>
+              <a:rPr lang="en-GB" dirty="0" err="1" smtClean="0"/>
+              <a:t>Indexor</a:t>
+            </a:r>
+            <a:endParaRPr lang="en-GB" dirty="0" smtClean="0"/>
+          </a:p>
+        </p:txBody>
+      </p:sp>
+      <p:sp>
+        <p:nvSpPr>
+          <p:cNvPr id="40" name="Rectangle 39"/>
+          <p:cNvSpPr/>
+          <p:nvPr/>
+        </p:nvSpPr>
+        <p:spPr>
+          <a:xfrm>
+            <a:off x="6548279" y="2435225"/>
+            <a:ext cx="914400" cy="762000"/>
+          </a:xfrm>
+          <a:prstGeom prst="rect">
+            <a:avLst/>
+          </a:prstGeom>
+        </p:spPr>
+        <p:style>
+          <a:lnRef idx="2">
+            <a:schemeClr val="accent1">
+              <a:shade val="50000"/>
+            </a:schemeClr>
+          </a:lnRef>
+          <a:fillRef idx="1">
+            <a:schemeClr val="accent1"/>
+          </a:fillRef>
+          <a:effectRef idx="0">
+            <a:schemeClr val="accent1"/>
+          </a:effectRef>
+          <a:fontRef idx="minor">
+            <a:schemeClr val="lt1"/>
+          </a:fontRef>
+        </p:style>
+        <p:txBody>
+          <a:bodyPr rtlCol="0" anchor="ctr"/>
+          <a:lstStyle/>
+          <a:p>
+            <a:pPr algn="ctr"/>
+            <a:r>
+              <a:rPr lang="en-GB" sz="1600" dirty="0" smtClean="0"/>
+              <a:t>Scan</a:t>
+            </a:r>
+            <a:r>
+              <a:rPr lang="en-US" sz="1600" dirty="0" smtClean="0"/>
+              <a:t> Invoice</a:t>
+            </a:r>
+            <a:endParaRPr lang="en-GB" sz="1600" dirty="0"/>
+          </a:p>
+        </p:txBody>
+      </p:sp>
+      <p:cxnSp>
+        <p:nvCxnSpPr>
+          <p:cNvPr id="45" name="Straight Arrow Connector 44"/>
+          <p:cNvCxnSpPr>
+            <a:stCxn id="40" idx="3"/>
+            <a:endCxn id="11" idx="1"/>
+          </p:cNvCxnSpPr>
+          <p:nvPr/>
+        </p:nvCxnSpPr>
+        <p:spPr>
+          <a:xfrm flipV="1">
+            <a:off x="7462679" y="2815053"/>
+            <a:ext cx="1234440" cy="1172"/>
+          </a:xfrm>
+          <a:prstGeom prst="straightConnector1">
+            <a:avLst/>
+          </a:prstGeom>
+          <a:ln>
+            <a:tailEnd type="arrow"/>
+          </a:ln>
+        </p:spPr>
+        <p:style>
+          <a:lnRef idx="1">
+            <a:schemeClr val="accent1"/>
+          </a:lnRef>
+          <a:fillRef idx="0">
+            <a:schemeClr val="accent1"/>
+          </a:fillRef>
+          <a:effectRef idx="0">
+            <a:schemeClr val="accent1"/>
+          </a:effectRef>
+          <a:fontRef idx="minor">
+            <a:schemeClr val="tx1"/>
+          </a:fontRef>
+        </p:style>
+      </p:cxnSp>
+      <p:pic>
+        <p:nvPicPr>
+          <p:cNvPr id="47" name="Picture 46"/>
+          <p:cNvPicPr>
+            <a:picLocks noChangeAspect="1" noChangeArrowheads="1"/>
+          </p:cNvPicPr>
+          <p:nvPr/>
+        </p:nvPicPr>
+        <p:blipFill>
+          <a:blip r:embed="rId4" cstate="print"/>
+          <a:srcRect/>
+          <a:stretch>
+            <a:fillRect/>
+          </a:stretch>
+        </p:blipFill>
+        <p:spPr bwMode="auto">
+          <a:xfrm>
+            <a:off x="6563519" y="4086225"/>
+            <a:ext cx="1066800" cy="1125415"/>
+          </a:xfrm>
+          <a:prstGeom prst="rect">
+            <a:avLst/>
+          </a:prstGeom>
+          <a:noFill/>
+          <a:ln w="1">
+            <a:noFill/>
+            <a:miter lim="800000"/>
+            <a:headEnd/>
+            <a:tailEnd type="none" w="med" len="med"/>
+          </a:ln>
+          <a:effectLst/>
+        </p:spPr>
+      </p:pic>
+      <p:sp>
+        <p:nvSpPr>
+          <p:cNvPr id="49" name="TextBox 48"/>
+          <p:cNvSpPr txBox="1"/>
+          <p:nvPr/>
+        </p:nvSpPr>
+        <p:spPr>
+          <a:xfrm>
+            <a:off x="6715919" y="3629025"/>
+            <a:ext cx="733855" cy="400110"/>
+          </a:xfrm>
+          <a:prstGeom prst="rect">
+            <a:avLst/>
+          </a:prstGeom>
+          <a:noFill/>
+        </p:spPr>
+        <p:txBody>
+          <a:bodyPr wrap="none" rtlCol="0">
+            <a:spAutoFit/>
+          </a:bodyPr>
+          <a:lstStyle/>
+          <a:p>
+            <a:r>
+              <a:rPr lang="en-GB" dirty="0" smtClean="0"/>
+              <a:t>BRCC</a:t>
+            </a:r>
+          </a:p>
+        </p:txBody>
+      </p:sp>
+      <p:cxnSp>
+        <p:nvCxnSpPr>
+          <p:cNvPr id="51" name="Shape 50"/>
+          <p:cNvCxnSpPr>
+            <a:stCxn id="18" idx="2"/>
+            <a:endCxn id="47" idx="1"/>
+          </p:cNvCxnSpPr>
+          <p:nvPr/>
+        </p:nvCxnSpPr>
+        <p:spPr>
+          <a:xfrm rot="16200000" flipH="1">
+            <a:off x="5075665" y="3161079"/>
+            <a:ext cx="1324708" cy="1651000"/>
+          </a:xfrm>
+          <a:prstGeom prst="bentConnector2">
+            <a:avLst/>
+          </a:prstGeom>
+          <a:ln>
+            <a:tailEnd type="arrow"/>
+          </a:ln>
+        </p:spPr>
+        <p:style>
+          <a:lnRef idx="1">
+            <a:schemeClr val="accent1"/>
+          </a:lnRef>
+          <a:fillRef idx="0">
+            <a:schemeClr val="accent1"/>
+          </a:fillRef>
+          <a:effectRef idx="0">
+            <a:schemeClr val="accent1"/>
+          </a:effectRef>
+          <a:fontRef idx="minor">
+            <a:schemeClr val="tx1"/>
+          </a:fontRef>
+        </p:style>
+      </p:cxnSp>
+      <p:sp>
+        <p:nvSpPr>
+          <p:cNvPr id="52" name="TextBox 51"/>
+          <p:cNvSpPr txBox="1"/>
+          <p:nvPr/>
+        </p:nvSpPr>
+        <p:spPr>
+          <a:xfrm>
+            <a:off x="3972719" y="4010025"/>
+            <a:ext cx="939360" cy="338554"/>
+          </a:xfrm>
+          <a:prstGeom prst="rect">
+            <a:avLst/>
+          </a:prstGeom>
+          <a:noFill/>
+        </p:spPr>
+        <p:txBody>
+          <a:bodyPr wrap="none" rtlCol="0">
+            <a:spAutoFit/>
+          </a:bodyPr>
+          <a:lstStyle/>
+          <a:p>
+            <a:r>
+              <a:rPr lang="en-GB" sz="1600" dirty="0" smtClean="0"/>
+              <a:t>feedback</a:t>
+            </a:r>
+          </a:p>
+        </p:txBody>
+      </p:sp>
+    </p:spTree>
+  </p:cSld>
+  <p:clrMapOvr>
+    <a:masterClrMapping/>
+  </p:clrMapOvr>
+  <p:transition/>
+  <p:timing>
+    <p:tnLst>
+      <p:par>
+        <p:cTn id="1" dur="indefinite" restart="never" nodeType="tmRoot">
+          <p:childTnLst>
+            <p:seq concurrent="1" nextAc="seek">
+              <p:cTn id="2" dur="indefinite" nodeType="mainSeq">
+                <p:childTnLst>
+                  <p:par>
+                    <p:cTn id="3" fill="hold">
+                      <p:stCondLst>
+                        <p:cond delay="indefinite"/>
+                      </p:stCondLst>
+                      <p:childTnLst>
+                        <p:par>
+                          <p:cTn id="4" fill="hold">
+                            <p:stCondLst>
+                              <p:cond delay="0"/>
+                            </p:stCondLst>
+                            <p:childTnLst>
+                              <p:par>
+                                <p:cTn id="5" presetID="10" presetClass="entr" presetSubtype="0" fill="hold" grpId="0" nodeType="clickEffect">
+                                  <p:stCondLst>
+                                    <p:cond delay="0"/>
+                                  </p:stCondLst>
+                                  <p:childTnLst>
+                                    <p:set>
+                                      <p:cBhvr>
+                                        <p:cTn id="6" dur="1" fill="hold">
+                                          <p:stCondLst>
+                                            <p:cond delay="0"/>
+                                          </p:stCondLst>
+                                        </p:cTn>
+                                        <p:tgtEl>
+                                          <p:spTgt spid="13"/>
+                                        </p:tgtEl>
+                                        <p:attrNameLst>
+                                          <p:attrName>style.visibility</p:attrName>
+                                        </p:attrNameLst>
+                                      </p:cBhvr>
+                                      <p:to>
+                                        <p:strVal val="visible"/>
+                                      </p:to>
+                                    </p:set>
+                                    <p:animEffect transition="in" filter="fade">
+                                      <p:cBhvr>
+                                        <p:cTn id="7" dur="2000"/>
+                                        <p:tgtEl>
+                                          <p:spTgt spid="13"/>
+                                        </p:tgtEl>
+                                      </p:cBhvr>
+                                    </p:animEffect>
+                                  </p:childTnLst>
+                                </p:cTn>
+                              </p:par>
+                              <p:par>
+                                <p:cTn id="8" presetID="10" presetClass="entr" presetSubtype="0" fill="hold" nodeType="withEffect">
+                                  <p:stCondLst>
+                                    <p:cond delay="0"/>
+                                  </p:stCondLst>
+                                  <p:childTnLst>
+                                    <p:set>
+                                      <p:cBhvr>
+                                        <p:cTn id="9" dur="1" fill="hold">
+                                          <p:stCondLst>
+                                            <p:cond delay="0"/>
+                                          </p:stCondLst>
+                                        </p:cTn>
+                                        <p:tgtEl>
+                                          <p:spTgt spid="12"/>
+                                        </p:tgtEl>
+                                        <p:attrNameLst>
+                                          <p:attrName>style.visibility</p:attrName>
+                                        </p:attrNameLst>
+                                      </p:cBhvr>
+                                      <p:to>
+                                        <p:strVal val="visible"/>
+                                      </p:to>
+                                    </p:set>
+                                    <p:animEffect transition="in" filter="fade">
+                                      <p:cBhvr>
+                                        <p:cTn id="10" dur="2000"/>
+                                        <p:tgtEl>
+                                          <p:spTgt spid="12"/>
+                                        </p:tgtEl>
+                                      </p:cBhvr>
+                                    </p:animEffect>
+                                  </p:childTnLst>
+                                </p:cTn>
+                              </p:par>
+                            </p:childTnLst>
+                          </p:cTn>
+                        </p:par>
+                      </p:childTnLst>
+                    </p:cTn>
+                  </p:par>
+                  <p:par>
+                    <p:cTn id="11" fill="hold">
+                      <p:stCondLst>
+                        <p:cond delay="indefinite"/>
+                      </p:stCondLst>
+                      <p:childTnLst>
+                        <p:par>
+                          <p:cTn id="12" fill="hold">
+                            <p:stCondLst>
+                              <p:cond delay="0"/>
+                            </p:stCondLst>
+                            <p:childTnLst>
+                              <p:par>
+                                <p:cTn id="13" presetID="10" presetClass="entr" presetSubtype="0" fill="hold" nodeType="clickEffect">
+                                  <p:stCondLst>
+                                    <p:cond delay="0"/>
+                                  </p:stCondLst>
+                                  <p:childTnLst>
+                                    <p:set>
+                                      <p:cBhvr>
+                                        <p:cTn id="14" dur="1" fill="hold">
+                                          <p:stCondLst>
+                                            <p:cond delay="0"/>
+                                          </p:stCondLst>
+                                        </p:cTn>
+                                        <p:tgtEl>
+                                          <p:spTgt spid="16"/>
+                                        </p:tgtEl>
+                                        <p:attrNameLst>
+                                          <p:attrName>style.visibility</p:attrName>
+                                        </p:attrNameLst>
+                                      </p:cBhvr>
+                                      <p:to>
+                                        <p:strVal val="visible"/>
+                                      </p:to>
+                                    </p:set>
+                                    <p:animEffect transition="in" filter="fade">
+                                      <p:cBhvr>
+                                        <p:cTn id="15" dur="2000"/>
+                                        <p:tgtEl>
+                                          <p:spTgt spid="16"/>
+                                        </p:tgtEl>
+                                      </p:cBhvr>
+                                    </p:animEffect>
+                                  </p:childTnLst>
+                                </p:cTn>
+                              </p:par>
+                              <p:par>
+                                <p:cTn id="16" presetID="10" presetClass="entr" presetSubtype="0" fill="hold" grpId="0" nodeType="withEffect">
+                                  <p:stCondLst>
+                                    <p:cond delay="0"/>
+                                  </p:stCondLst>
+                                  <p:childTnLst>
+                                    <p:set>
+                                      <p:cBhvr>
+                                        <p:cTn id="17" dur="1" fill="hold">
+                                          <p:stCondLst>
+                                            <p:cond delay="0"/>
+                                          </p:stCondLst>
+                                        </p:cTn>
+                                        <p:tgtEl>
+                                          <p:spTgt spid="14"/>
+                                        </p:tgtEl>
+                                        <p:attrNameLst>
+                                          <p:attrName>style.visibility</p:attrName>
+                                        </p:attrNameLst>
+                                      </p:cBhvr>
+                                      <p:to>
+                                        <p:strVal val="visible"/>
+                                      </p:to>
+                                    </p:set>
+                                    <p:animEffect transition="in" filter="fade">
+                                      <p:cBhvr>
+                                        <p:cTn id="18" dur="2000"/>
+                                        <p:tgtEl>
+                                          <p:spTgt spid="14"/>
+                                        </p:tgtEl>
+                                      </p:cBhvr>
+                                    </p:animEffect>
+                                  </p:childTnLst>
+                                </p:cTn>
+                              </p:par>
+                            </p:childTnLst>
+                          </p:cTn>
+                        </p:par>
+                      </p:childTnLst>
+                    </p:cTn>
+                  </p:par>
+                  <p:par>
+                    <p:cTn id="19" fill="hold">
+                      <p:stCondLst>
+                        <p:cond delay="indefinite"/>
+                      </p:stCondLst>
+                      <p:childTnLst>
+                        <p:par>
+                          <p:cTn id="20" fill="hold">
+                            <p:stCondLst>
+                              <p:cond delay="0"/>
+                            </p:stCondLst>
+                            <p:childTnLst>
+                              <p:par>
+                                <p:cTn id="21" presetID="10" presetClass="entr" presetSubtype="0" fill="hold" nodeType="clickEffect">
+                                  <p:stCondLst>
+                                    <p:cond delay="0"/>
+                                  </p:stCondLst>
+                                  <p:childTnLst>
+                                    <p:set>
+                                      <p:cBhvr>
+                                        <p:cTn id="22" dur="1" fill="hold">
+                                          <p:stCondLst>
+                                            <p:cond delay="0"/>
+                                          </p:stCondLst>
+                                        </p:cTn>
+                                        <p:tgtEl>
+                                          <p:spTgt spid="20"/>
+                                        </p:tgtEl>
+                                        <p:attrNameLst>
+                                          <p:attrName>style.visibility</p:attrName>
+                                        </p:attrNameLst>
+                                      </p:cBhvr>
+                                      <p:to>
+                                        <p:strVal val="visible"/>
+                                      </p:to>
+                                    </p:set>
+                                    <p:animEffect transition="in" filter="fade">
+                                      <p:cBhvr>
+                                        <p:cTn id="23" dur="2000"/>
+                                        <p:tgtEl>
+                                          <p:spTgt spid="20"/>
+                                        </p:tgtEl>
+                                      </p:cBhvr>
+                                    </p:animEffect>
+                                  </p:childTnLst>
+                                </p:cTn>
+                              </p:par>
+                              <p:par>
+                                <p:cTn id="24" presetID="10" presetClass="entr" presetSubtype="0" fill="hold" grpId="0" nodeType="withEffect">
+                                  <p:stCondLst>
+                                    <p:cond delay="0"/>
+                                  </p:stCondLst>
+                                  <p:childTnLst>
+                                    <p:set>
+                                      <p:cBhvr>
+                                        <p:cTn id="25" dur="1" fill="hold">
+                                          <p:stCondLst>
+                                            <p:cond delay="0"/>
+                                          </p:stCondLst>
+                                        </p:cTn>
+                                        <p:tgtEl>
+                                          <p:spTgt spid="18"/>
+                                        </p:tgtEl>
+                                        <p:attrNameLst>
+                                          <p:attrName>style.visibility</p:attrName>
+                                        </p:attrNameLst>
+                                      </p:cBhvr>
+                                      <p:to>
+                                        <p:strVal val="visible"/>
+                                      </p:to>
+                                    </p:set>
+                                    <p:animEffect transition="in" filter="fade">
+                                      <p:cBhvr>
+                                        <p:cTn id="26" dur="2000"/>
+                                        <p:tgtEl>
+                                          <p:spTgt spid="18"/>
+                                        </p:tgtEl>
+                                      </p:cBhvr>
+                                    </p:animEffect>
+                                  </p:childTnLst>
+                                </p:cTn>
+                              </p:par>
+                              <p:par>
+                                <p:cTn id="27" presetID="10" presetClass="entr" presetSubtype="0" fill="hold" nodeType="withEffect">
+                                  <p:stCondLst>
+                                    <p:cond delay="0"/>
+                                  </p:stCondLst>
+                                  <p:childTnLst>
+                                    <p:set>
+                                      <p:cBhvr>
+                                        <p:cTn id="28" dur="1" fill="hold">
+                                          <p:stCondLst>
+                                            <p:cond delay="0"/>
+                                          </p:stCondLst>
+                                        </p:cTn>
+                                        <p:tgtEl>
+                                          <p:spTgt spid="23"/>
+                                        </p:tgtEl>
+                                        <p:attrNameLst>
+                                          <p:attrName>style.visibility</p:attrName>
+                                        </p:attrNameLst>
+                                      </p:cBhvr>
+                                      <p:to>
+                                        <p:strVal val="visible"/>
+                                      </p:to>
+                                    </p:set>
+                                    <p:animEffect transition="in" filter="fade">
+                                      <p:cBhvr>
+                                        <p:cTn id="29" dur="2000"/>
+                                        <p:tgtEl>
+                                          <p:spTgt spid="23"/>
+                                        </p:tgtEl>
+                                      </p:cBhvr>
+                                    </p:animEffect>
+                                  </p:childTnLst>
+                                </p:cTn>
+                              </p:par>
+                              <p:par>
+                                <p:cTn id="30" presetID="10" presetClass="entr" presetSubtype="0" fill="hold" grpId="0" nodeType="withEffect">
+                                  <p:stCondLst>
+                                    <p:cond delay="0"/>
+                                  </p:stCondLst>
+                                  <p:childTnLst>
+                                    <p:set>
+                                      <p:cBhvr>
+                                        <p:cTn id="31" dur="1" fill="hold">
+                                          <p:stCondLst>
+                                            <p:cond delay="0"/>
+                                          </p:stCondLst>
+                                        </p:cTn>
+                                        <p:tgtEl>
+                                          <p:spTgt spid="40"/>
+                                        </p:tgtEl>
+                                        <p:attrNameLst>
+                                          <p:attrName>style.visibility</p:attrName>
+                                        </p:attrNameLst>
+                                      </p:cBhvr>
+                                      <p:to>
+                                        <p:strVal val="visible"/>
+                                      </p:to>
+                                    </p:set>
+                                    <p:animEffect transition="in" filter="fade">
+                                      <p:cBhvr>
+                                        <p:cTn id="32" dur="2000"/>
+                                        <p:tgtEl>
+                                          <p:spTgt spid="40"/>
+                                        </p:tgtEl>
+                                      </p:cBhvr>
+                                    </p:animEffect>
+                                  </p:childTnLst>
+                                </p:cTn>
+                              </p:par>
+                              <p:par>
+                                <p:cTn id="33" presetID="10" presetClass="entr" presetSubtype="0" fill="hold" nodeType="withEffect">
+                                  <p:stCondLst>
+                                    <p:cond delay="0"/>
+                                  </p:stCondLst>
+                                  <p:childTnLst>
+                                    <p:set>
+                                      <p:cBhvr>
+                                        <p:cTn id="34" dur="1" fill="hold">
+                                          <p:stCondLst>
+                                            <p:cond delay="0"/>
+                                          </p:stCondLst>
+                                        </p:cTn>
+                                        <p:tgtEl>
+                                          <p:spTgt spid="45"/>
+                                        </p:tgtEl>
+                                        <p:attrNameLst>
+                                          <p:attrName>style.visibility</p:attrName>
+                                        </p:attrNameLst>
+                                      </p:cBhvr>
+                                      <p:to>
+                                        <p:strVal val="visible"/>
+                                      </p:to>
+                                    </p:set>
+                                    <p:animEffect transition="in" filter="fade">
+                                      <p:cBhvr>
+                                        <p:cTn id="35" dur="2000"/>
+                                        <p:tgtEl>
+                                          <p:spTgt spid="45"/>
+                                        </p:tgtEl>
+                                      </p:cBhvr>
+                                    </p:animEffect>
+                                  </p:childTnLst>
+                                </p:cTn>
+                              </p:par>
+                              <p:par>
+                                <p:cTn id="36" presetID="10" presetClass="entr" presetSubtype="0" fill="hold" nodeType="withEffect">
+                                  <p:stCondLst>
+                                    <p:cond delay="0"/>
+                                  </p:stCondLst>
+                                  <p:childTnLst>
+                                    <p:set>
+                                      <p:cBhvr>
+                                        <p:cTn id="37" dur="1" fill="hold">
+                                          <p:stCondLst>
+                                            <p:cond delay="0"/>
+                                          </p:stCondLst>
+                                        </p:cTn>
+                                        <p:tgtEl>
+                                          <p:spTgt spid="11"/>
+                                        </p:tgtEl>
+                                        <p:attrNameLst>
+                                          <p:attrName>style.visibility</p:attrName>
+                                        </p:attrNameLst>
+                                      </p:cBhvr>
+                                      <p:to>
+                                        <p:strVal val="visible"/>
+                                      </p:to>
+                                    </p:set>
+                                    <p:animEffect transition="in" filter="fade">
+                                      <p:cBhvr>
+                                        <p:cTn id="38" dur="2000"/>
+                                        <p:tgtEl>
+                                          <p:spTgt spid="11"/>
+                                        </p:tgtEl>
+                                      </p:cBhvr>
+                                    </p:animEffect>
+                                  </p:childTnLst>
+                                </p:cTn>
+                              </p:par>
+                              <p:par>
+                                <p:cTn id="39" presetID="10" presetClass="entr" presetSubtype="0" fill="hold" grpId="0" nodeType="withEffect">
+                                  <p:stCondLst>
+                                    <p:cond delay="0"/>
+                                  </p:stCondLst>
+                                  <p:childTnLst>
+                                    <p:set>
+                                      <p:cBhvr>
+                                        <p:cTn id="40" dur="1" fill="hold">
+                                          <p:stCondLst>
+                                            <p:cond delay="0"/>
+                                          </p:stCondLst>
+                                        </p:cTn>
+                                        <p:tgtEl>
+                                          <p:spTgt spid="24"/>
+                                        </p:tgtEl>
+                                        <p:attrNameLst>
+                                          <p:attrName>style.visibility</p:attrName>
+                                        </p:attrNameLst>
+                                      </p:cBhvr>
+                                      <p:to>
+                                        <p:strVal val="visible"/>
+                                      </p:to>
+                                    </p:set>
+                                    <p:animEffect transition="in" filter="fade">
+                                      <p:cBhvr>
+                                        <p:cTn id="41" dur="2000"/>
+                                        <p:tgtEl>
+                                          <p:spTgt spid="24"/>
+                                        </p:tgtEl>
+                                      </p:cBhvr>
+                                    </p:animEffect>
+                                  </p:childTnLst>
+                                </p:cTn>
+                              </p:par>
+                            </p:childTnLst>
+                          </p:cTn>
+                        </p:par>
+                      </p:childTnLst>
+                    </p:cTn>
+                  </p:par>
+                  <p:par>
+                    <p:cTn id="42" fill="hold">
+                      <p:stCondLst>
+                        <p:cond delay="indefinite"/>
+                      </p:stCondLst>
+                      <p:childTnLst>
+                        <p:par>
+                          <p:cTn id="43" fill="hold">
+                            <p:stCondLst>
+                              <p:cond delay="0"/>
+                            </p:stCondLst>
+                            <p:childTnLst>
+                              <p:par>
+                                <p:cTn id="44" presetID="10" presetClass="entr" presetSubtype="0" fill="hold" nodeType="clickEffect">
+                                  <p:stCondLst>
+                                    <p:cond delay="0"/>
+                                  </p:stCondLst>
+                                  <p:childTnLst>
+                                    <p:set>
+                                      <p:cBhvr>
+                                        <p:cTn id="45" dur="1" fill="hold">
+                                          <p:stCondLst>
+                                            <p:cond delay="0"/>
+                                          </p:stCondLst>
+                                        </p:cTn>
+                                        <p:tgtEl>
+                                          <p:spTgt spid="51"/>
+                                        </p:tgtEl>
+                                        <p:attrNameLst>
+                                          <p:attrName>style.visibility</p:attrName>
+                                        </p:attrNameLst>
+                                      </p:cBhvr>
+                                      <p:to>
+                                        <p:strVal val="visible"/>
+                                      </p:to>
+                                    </p:set>
+                                    <p:animEffect transition="in" filter="fade">
+                                      <p:cBhvr>
+                                        <p:cTn id="46" dur="2000"/>
+                                        <p:tgtEl>
+                                          <p:spTgt spid="51"/>
+                                        </p:tgtEl>
+                                      </p:cBhvr>
+                                    </p:animEffect>
+                                  </p:childTnLst>
+                                </p:cTn>
+                              </p:par>
+                              <p:par>
+                                <p:cTn id="47" presetID="10" presetClass="entr" presetSubtype="0" fill="hold" grpId="0" nodeType="withEffect">
+                                  <p:stCondLst>
+                                    <p:cond delay="0"/>
+                                  </p:stCondLst>
+                                  <p:childTnLst>
+                                    <p:set>
+                                      <p:cBhvr>
+                                        <p:cTn id="48" dur="1" fill="hold">
+                                          <p:stCondLst>
+                                            <p:cond delay="0"/>
+                                          </p:stCondLst>
+                                        </p:cTn>
+                                        <p:tgtEl>
+                                          <p:spTgt spid="52"/>
+                                        </p:tgtEl>
+                                        <p:attrNameLst>
+                                          <p:attrName>style.visibility</p:attrName>
+                                        </p:attrNameLst>
+                                      </p:cBhvr>
+                                      <p:to>
+                                        <p:strVal val="visible"/>
+                                      </p:to>
+                                    </p:set>
+                                    <p:animEffect transition="in" filter="fade">
+                                      <p:cBhvr>
+                                        <p:cTn id="49" dur="2000"/>
+                                        <p:tgtEl>
+                                          <p:spTgt spid="52"/>
+                                        </p:tgtEl>
+                                      </p:cBhvr>
+                                    </p:animEffect>
+                                  </p:childTnLst>
+                                </p:cTn>
+                              </p:par>
+                              <p:par>
+                                <p:cTn id="50" presetID="10" presetClass="entr" presetSubtype="0" fill="hold" grpId="0" nodeType="withEffect">
+                                  <p:stCondLst>
+                                    <p:cond delay="0"/>
+                                  </p:stCondLst>
+                                  <p:childTnLst>
+                                    <p:set>
+                                      <p:cBhvr>
+                                        <p:cTn id="51" dur="1" fill="hold">
+                                          <p:stCondLst>
+                                            <p:cond delay="0"/>
+                                          </p:stCondLst>
+                                        </p:cTn>
+                                        <p:tgtEl>
+                                          <p:spTgt spid="49"/>
+                                        </p:tgtEl>
+                                        <p:attrNameLst>
+                                          <p:attrName>style.visibility</p:attrName>
+                                        </p:attrNameLst>
+                                      </p:cBhvr>
+                                      <p:to>
+                                        <p:strVal val="visible"/>
+                                      </p:to>
+                                    </p:set>
+                                    <p:animEffect transition="in" filter="fade">
+                                      <p:cBhvr>
+                                        <p:cTn id="52" dur="2000"/>
+                                        <p:tgtEl>
+                                          <p:spTgt spid="49"/>
+                                        </p:tgtEl>
+                                      </p:cBhvr>
+                                    </p:animEffect>
+                                  </p:childTnLst>
+                                </p:cTn>
+                              </p:par>
+                              <p:par>
+                                <p:cTn id="53" presetID="10" presetClass="entr" presetSubtype="0" fill="hold" nodeType="withEffect">
+                                  <p:stCondLst>
+                                    <p:cond delay="0"/>
+                                  </p:stCondLst>
+                                  <p:childTnLst>
+                                    <p:set>
+                                      <p:cBhvr>
+                                        <p:cTn id="54" dur="1" fill="hold">
+                                          <p:stCondLst>
+                                            <p:cond delay="0"/>
+                                          </p:stCondLst>
+                                        </p:cTn>
+                                        <p:tgtEl>
+                                          <p:spTgt spid="47"/>
+                                        </p:tgtEl>
+                                        <p:attrNameLst>
+                                          <p:attrName>style.visibility</p:attrName>
+                                        </p:attrNameLst>
+                                      </p:cBhvr>
+                                      <p:to>
+                                        <p:strVal val="visible"/>
+                                      </p:to>
+                                    </p:set>
+                                    <p:animEffect transition="in" filter="fade">
+                                      <p:cBhvr>
+                                        <p:cTn id="55" dur="2000"/>
+                                        <p:tgtEl>
+                                          <p:spTgt spid="47"/>
+                                        </p:tgtEl>
+                                      </p:cBhvr>
+                                    </p:animEffect>
+                                  </p:childTnLst>
+                                </p:cTn>
+                              </p:par>
+                            </p:childTnLst>
+                          </p:cTn>
+                        </p:par>
+                      </p:childTnLst>
+                    </p:cTn>
+                  </p:par>
+                </p:childTnLst>
+              </p:cTn>
+              <p:prevCondLst>
+                <p:cond evt="onPrev" delay="0">
+                  <p:tgtEl>
+                    <p:sldTgt/>
+                  </p:tgtEl>
+                </p:cond>
+              </p:prevCondLst>
+              <p:nextCondLst>
+                <p:cond evt="onNext" delay="0">
+                  <p:tgtEl>
+                    <p:sldTgt/>
+                  </p:tgtEl>
+                </p:cond>
+              </p:nextCondLst>
+            </p:seq>
+          </p:childTnLst>
+        </p:cTn>
+      </p:par>
+    </p:tnLst>
+    <p:bldLst>
+      <p:bldP spid="13" grpId="0"/>
+      <p:bldP spid="14" grpId="0" animBg="1"/>
+      <p:bldP spid="18" grpId="0" animBg="1"/>
+      <p:bldP spid="24" grpId="0"/>
+      <p:bldP spid="40" grpId="0" animBg="1"/>
+      <p:bldP spid="49" grpId="0"/>
+      <p:bldP spid="52" grpId="0"/>
+    </p:bldLst>
+  </p:timing>
+</p:sld>
+</file>
+
+<file path=ppt/slides/slide5.xml><?xml version="1.0" encoding="utf-8"?>
 <p:sld xmlns:a="http://schemas.openxmlformats.org/drawingml/2006/main" xmlns:r="http://schemas.openxmlformats.org/officeDocument/2006/relationships" xmlns:p="http://schemas.openxmlformats.org/presentationml/2006/main">
   <p:cSld>
     <p:spTree>
@@ -24427,7 +26870,6 @@
               <a:rPr lang="en-GB" dirty="0" smtClean="0"/>
               <a:t>......................</a:t>
             </a:r>
-            <a:endParaRPr lang="en-GB" dirty="0" smtClean="0"/>
           </a:p>
         </p:txBody>
       </p:sp>
@@ -25341,1970 +27783,6 @@
 </p:sld>
 </file>
 
-<file path=ppt/slides/slide4.xml><?xml version="1.0" encoding="utf-8"?>
-<p:sld xmlns:a="http://schemas.openxmlformats.org/drawingml/2006/main" xmlns:r="http://schemas.openxmlformats.org/officeDocument/2006/relationships" xmlns:p="http://schemas.openxmlformats.org/presentationml/2006/main">
-  <p:cSld>
-    <p:spTree>
-      <p:nvGrpSpPr>
-        <p:cNvPr id="1" name=""/>
-        <p:cNvGrpSpPr/>
-        <p:nvPr/>
-      </p:nvGrpSpPr>
-      <p:grpSpPr>
-        <a:xfrm>
-          <a:off x="0" y="0"/>
-          <a:ext cx="0" cy="0"/>
-          <a:chOff x="0" y="0"/>
-          <a:chExt cx="0" cy="0"/>
-        </a:xfrm>
-      </p:grpSpPr>
-      <p:sp>
-        <p:nvSpPr>
-          <p:cNvPr id="4" name="Rectangle 2"/>
-          <p:cNvSpPr>
-            <a:spLocks noChangeArrowheads="1"/>
-          </p:cNvSpPr>
-          <p:nvPr/>
-        </p:nvSpPr>
-        <p:spPr bwMode="auto">
-          <a:xfrm>
-            <a:off x="233993" y="252042"/>
-            <a:ext cx="10214425" cy="714119"/>
-          </a:xfrm>
-          <a:prstGeom prst="rect">
-            <a:avLst/>
-          </a:prstGeom>
-          <a:noFill/>
-          <a:ln w="9525" algn="ctr">
-            <a:noFill/>
-            <a:miter lim="800000"/>
-            <a:headEnd/>
-            <a:tailEnd/>
-          </a:ln>
-        </p:spPr>
-        <p:txBody>
-          <a:bodyPr lIns="98122" tIns="49105" rIns="98122" bIns="49105" anchor="b"/>
-          <a:lstStyle/>
-          <a:p>
-            <a:pPr defTabSz="984185" latinLnBrk="0"/>
-            <a:endParaRPr lang="en-US" sz="2700" b="1" dirty="0">
-              <a:solidFill>
-                <a:srgbClr val="5F5F5F"/>
-              </a:solidFill>
-              <a:latin typeface="Helvetica"/>
-            </a:endParaRPr>
-          </a:p>
-        </p:txBody>
-      </p:sp>
-      <p:sp>
-        <p:nvSpPr>
-          <p:cNvPr id="21" name="Title 1"/>
-          <p:cNvSpPr txBox="1">
-            <a:spLocks/>
-          </p:cNvSpPr>
-          <p:nvPr/>
-        </p:nvSpPr>
-        <p:spPr>
-          <a:xfrm>
-            <a:off x="450850" y="276225"/>
-            <a:ext cx="9791700" cy="739776"/>
-          </a:xfrm>
-          <a:prstGeom prst="rect">
-            <a:avLst/>
-          </a:prstGeom>
-        </p:spPr>
-        <p:txBody>
-          <a:bodyPr lIns="90416" tIns="45209" rIns="90416" bIns="45209" anchor="ctr" anchorCtr="0"/>
-          <a:lstStyle/>
-          <a:p>
-            <a:pPr defTabSz="1031340" eaLnBrk="0" hangingPunct="0">
-              <a:defRPr/>
-            </a:pPr>
-            <a:r>
-              <a:rPr lang="en-US" sz="2400" dirty="0" smtClean="0"/>
-              <a:t>Current Business Workflow</a:t>
-            </a:r>
-            <a:endParaRPr lang="en-GB" sz="2400" i="1" dirty="0">
-              <a:solidFill>
-                <a:srgbClr val="005C87"/>
-              </a:solidFill>
-              <a:latin typeface="Arial"/>
-            </a:endParaRPr>
-          </a:p>
-        </p:txBody>
-      </p:sp>
-      <p:grpSp>
-        <p:nvGrpSpPr>
-          <p:cNvPr id="2" name="Group 80"/>
-          <p:cNvGrpSpPr>
-            <a:grpSpLocks/>
-          </p:cNvGrpSpPr>
-          <p:nvPr/>
-        </p:nvGrpSpPr>
-        <p:grpSpPr bwMode="auto">
-          <a:xfrm>
-            <a:off x="0" y="1190625"/>
-            <a:ext cx="10688228" cy="84071"/>
-            <a:chOff x="0" y="16273"/>
-            <a:chExt cx="10179" cy="856"/>
-          </a:xfrm>
-        </p:grpSpPr>
-        <p:sp>
-          <p:nvSpPr>
-            <p:cNvPr id="26" name="Rectangle 81"/>
-            <p:cNvSpPr>
-              <a:spLocks noChangeArrowheads="1"/>
-            </p:cNvSpPr>
-            <p:nvPr/>
-          </p:nvSpPr>
-          <p:spPr bwMode="auto">
-            <a:xfrm>
-              <a:off x="0" y="16273"/>
-              <a:ext cx="2380" cy="713"/>
-            </a:xfrm>
-            <a:prstGeom prst="rect">
-              <a:avLst/>
-            </a:prstGeom>
-            <a:solidFill>
-              <a:srgbClr val="6DC067"/>
-            </a:solidFill>
-            <a:ln w="9525">
-              <a:noFill/>
-              <a:miter lim="800000"/>
-              <a:headEnd/>
-              <a:tailEnd/>
-            </a:ln>
-          </p:spPr>
-          <p:txBody>
-            <a:bodyPr/>
-            <a:lstStyle/>
-            <a:p>
-              <a:pPr latinLnBrk="0">
-                <a:defRPr/>
-              </a:pPr>
-              <a:endParaRPr kumimoji="0" lang="en-GB" dirty="0">
-                <a:ea typeface="+mn-ea"/>
-              </a:endParaRPr>
-            </a:p>
-          </p:txBody>
-        </p:sp>
-        <p:sp>
-          <p:nvSpPr>
-            <p:cNvPr id="27" name="Rectangle 82"/>
-            <p:cNvSpPr>
-              <a:spLocks noChangeArrowheads="1"/>
-            </p:cNvSpPr>
-            <p:nvPr/>
-          </p:nvSpPr>
-          <p:spPr bwMode="auto">
-            <a:xfrm>
-              <a:off x="2380" y="16273"/>
-              <a:ext cx="1191" cy="713"/>
-            </a:xfrm>
-            <a:prstGeom prst="rect">
-              <a:avLst/>
-            </a:prstGeom>
-            <a:solidFill>
-              <a:srgbClr val="22AA47"/>
-            </a:solidFill>
-            <a:ln w="9525">
-              <a:noFill/>
-              <a:miter lim="800000"/>
-              <a:headEnd/>
-              <a:tailEnd/>
-            </a:ln>
-          </p:spPr>
-          <p:txBody>
-            <a:bodyPr/>
-            <a:lstStyle/>
-            <a:p>
-              <a:pPr latinLnBrk="0">
-                <a:defRPr/>
-              </a:pPr>
-              <a:endParaRPr kumimoji="0" lang="en-GB" dirty="0">
-                <a:ea typeface="+mn-ea"/>
-              </a:endParaRPr>
-            </a:p>
-          </p:txBody>
-        </p:sp>
-        <p:sp>
-          <p:nvSpPr>
-            <p:cNvPr id="28" name="Rectangle 83"/>
-            <p:cNvSpPr>
-              <a:spLocks noChangeArrowheads="1"/>
-            </p:cNvSpPr>
-            <p:nvPr/>
-          </p:nvSpPr>
-          <p:spPr bwMode="auto">
-            <a:xfrm>
-              <a:off x="3572" y="16273"/>
-              <a:ext cx="1787" cy="713"/>
-            </a:xfrm>
-            <a:prstGeom prst="rect">
-              <a:avLst/>
-            </a:prstGeom>
-            <a:solidFill>
-              <a:srgbClr val="005C86"/>
-            </a:solidFill>
-            <a:ln w="9525">
-              <a:noFill/>
-              <a:miter lim="800000"/>
-              <a:headEnd/>
-              <a:tailEnd/>
-            </a:ln>
-          </p:spPr>
-          <p:txBody>
-            <a:bodyPr/>
-            <a:lstStyle/>
-            <a:p>
-              <a:pPr latinLnBrk="0">
-                <a:defRPr/>
-              </a:pPr>
-              <a:endParaRPr kumimoji="0" lang="en-GB" dirty="0">
-                <a:ea typeface="+mn-ea"/>
-              </a:endParaRPr>
-            </a:p>
-          </p:txBody>
-        </p:sp>
-        <p:sp>
-          <p:nvSpPr>
-            <p:cNvPr id="29" name="Rectangle 84"/>
-            <p:cNvSpPr>
-              <a:spLocks noChangeArrowheads="1"/>
-            </p:cNvSpPr>
-            <p:nvPr/>
-          </p:nvSpPr>
-          <p:spPr bwMode="auto">
-            <a:xfrm>
-              <a:off x="5358" y="16273"/>
-              <a:ext cx="596" cy="713"/>
-            </a:xfrm>
-            <a:prstGeom prst="rect">
-              <a:avLst/>
-            </a:prstGeom>
-            <a:solidFill>
-              <a:srgbClr val="009BD9"/>
-            </a:solidFill>
-            <a:ln w="9525">
-              <a:noFill/>
-              <a:miter lim="800000"/>
-              <a:headEnd/>
-              <a:tailEnd/>
-            </a:ln>
-          </p:spPr>
-          <p:txBody>
-            <a:bodyPr/>
-            <a:lstStyle/>
-            <a:p>
-              <a:pPr latinLnBrk="0">
-                <a:defRPr/>
-              </a:pPr>
-              <a:endParaRPr kumimoji="0" lang="en-GB" dirty="0">
-                <a:ea typeface="+mn-ea"/>
-              </a:endParaRPr>
-            </a:p>
-          </p:txBody>
-        </p:sp>
-        <p:sp>
-          <p:nvSpPr>
-            <p:cNvPr id="30" name="Rectangle 85"/>
-            <p:cNvSpPr>
-              <a:spLocks noChangeArrowheads="1"/>
-            </p:cNvSpPr>
-            <p:nvPr/>
-          </p:nvSpPr>
-          <p:spPr bwMode="auto">
-            <a:xfrm>
-              <a:off x="5954" y="16273"/>
-              <a:ext cx="4225" cy="856"/>
-            </a:xfrm>
-            <a:prstGeom prst="rect">
-              <a:avLst/>
-            </a:prstGeom>
-            <a:solidFill>
-              <a:srgbClr val="00709E"/>
-            </a:solidFill>
-            <a:ln w="9525">
-              <a:noFill/>
-              <a:miter lim="800000"/>
-              <a:headEnd/>
-              <a:tailEnd/>
-            </a:ln>
-          </p:spPr>
-          <p:txBody>
-            <a:bodyPr/>
-            <a:lstStyle/>
-            <a:p>
-              <a:pPr latinLnBrk="0">
-                <a:defRPr/>
-              </a:pPr>
-              <a:endParaRPr kumimoji="0" lang="en-GB" dirty="0">
-                <a:ea typeface="+mn-ea"/>
-              </a:endParaRPr>
-            </a:p>
-          </p:txBody>
-        </p:sp>
-      </p:grpSp>
-      <p:pic>
-        <p:nvPicPr>
-          <p:cNvPr id="31" name="Logo Main"/>
-          <p:cNvPicPr>
-            <a:picLocks noChangeAspect="1" noChangeArrowheads="1"/>
-          </p:cNvPicPr>
-          <p:nvPr/>
-        </p:nvPicPr>
-        <p:blipFill>
-          <a:blip r:embed="rId3" cstate="print"/>
-          <a:srcRect/>
-          <a:stretch>
-            <a:fillRect/>
-          </a:stretch>
-        </p:blipFill>
-        <p:spPr bwMode="auto">
-          <a:xfrm>
-            <a:off x="238919" y="6905625"/>
-            <a:ext cx="952500" cy="363537"/>
-          </a:xfrm>
-          <a:prstGeom prst="rect">
-            <a:avLst/>
-          </a:prstGeom>
-          <a:noFill/>
-          <a:ln w="9525">
-            <a:noFill/>
-            <a:miter lim="800000"/>
-            <a:headEnd/>
-            <a:tailEnd/>
-          </a:ln>
-        </p:spPr>
-      </p:pic>
-      <p:pic>
-        <p:nvPicPr>
-          <p:cNvPr id="1026" name="Picture 2"/>
-          <p:cNvPicPr>
-            <a:picLocks noChangeAspect="1" noChangeArrowheads="1"/>
-          </p:cNvPicPr>
-          <p:nvPr/>
-        </p:nvPicPr>
-        <p:blipFill>
-          <a:blip r:embed="rId4" cstate="print"/>
-          <a:srcRect/>
-          <a:stretch>
-            <a:fillRect/>
-          </a:stretch>
-        </p:blipFill>
-        <p:spPr bwMode="auto">
-          <a:xfrm>
-            <a:off x="238919" y="1571625"/>
-            <a:ext cx="10234612" cy="2728913"/>
-          </a:xfrm>
-          <a:prstGeom prst="rect">
-            <a:avLst/>
-          </a:prstGeom>
-          <a:noFill/>
-          <a:ln w="9525">
-            <a:noFill/>
-            <a:miter lim="800000"/>
-            <a:headEnd/>
-            <a:tailEnd/>
-          </a:ln>
-        </p:spPr>
-      </p:pic>
-    </p:spTree>
-  </p:cSld>
-  <p:clrMapOvr>
-    <a:masterClrMapping/>
-  </p:clrMapOvr>
-  <p:timing>
-    <p:tnLst>
-      <p:par>
-        <p:cTn id="1" dur="indefinite" restart="never" nodeType="tmRoot"/>
-      </p:par>
-    </p:tnLst>
-  </p:timing>
-</p:sld>
-</file>
-
-<file path=ppt/slides/slide5.xml><?xml version="1.0" encoding="utf-8"?>
-<p:sld xmlns:a="http://schemas.openxmlformats.org/drawingml/2006/main" xmlns:r="http://schemas.openxmlformats.org/officeDocument/2006/relationships" xmlns:p="http://schemas.openxmlformats.org/presentationml/2006/main">
-  <p:cSld>
-    <p:spTree>
-      <p:nvGrpSpPr>
-        <p:cNvPr id="1" name=""/>
-        <p:cNvGrpSpPr/>
-        <p:nvPr/>
-      </p:nvGrpSpPr>
-      <p:grpSpPr>
-        <a:xfrm>
-          <a:off x="0" y="0"/>
-          <a:ext cx="0" cy="0"/>
-          <a:chOff x="0" y="0"/>
-          <a:chExt cx="0" cy="0"/>
-        </a:xfrm>
-      </p:grpSpPr>
-      <p:sp>
-        <p:nvSpPr>
-          <p:cNvPr id="4" name="Rectangle 2"/>
-          <p:cNvSpPr>
-            <a:spLocks noChangeArrowheads="1"/>
-          </p:cNvSpPr>
-          <p:nvPr/>
-        </p:nvSpPr>
-        <p:spPr bwMode="auto">
-          <a:xfrm>
-            <a:off x="233993" y="252042"/>
-            <a:ext cx="10214425" cy="714119"/>
-          </a:xfrm>
-          <a:prstGeom prst="rect">
-            <a:avLst/>
-          </a:prstGeom>
-          <a:noFill/>
-          <a:ln w="9525" algn="ctr">
-            <a:noFill/>
-            <a:miter lim="800000"/>
-            <a:headEnd/>
-            <a:tailEnd/>
-          </a:ln>
-        </p:spPr>
-        <p:txBody>
-          <a:bodyPr lIns="98122" tIns="49105" rIns="98122" bIns="49105" anchor="b"/>
-          <a:lstStyle/>
-          <a:p>
-            <a:pPr defTabSz="984185" latinLnBrk="0"/>
-            <a:endParaRPr lang="en-US" sz="2700" b="1" dirty="0">
-              <a:solidFill>
-                <a:srgbClr val="5F5F5F"/>
-              </a:solidFill>
-              <a:latin typeface="Helvetica"/>
-            </a:endParaRPr>
-          </a:p>
-        </p:txBody>
-      </p:sp>
-      <p:sp>
-        <p:nvSpPr>
-          <p:cNvPr id="21" name="Title 1"/>
-          <p:cNvSpPr txBox="1">
-            <a:spLocks/>
-          </p:cNvSpPr>
-          <p:nvPr/>
-        </p:nvSpPr>
-        <p:spPr>
-          <a:xfrm>
-            <a:off x="450850" y="276225"/>
-            <a:ext cx="9791700" cy="739776"/>
-          </a:xfrm>
-          <a:prstGeom prst="rect">
-            <a:avLst/>
-          </a:prstGeom>
-        </p:spPr>
-        <p:txBody>
-          <a:bodyPr lIns="90416" tIns="45209" rIns="90416" bIns="45209" anchor="ctr" anchorCtr="0"/>
-          <a:lstStyle/>
-          <a:p>
-            <a:pPr defTabSz="1031340" eaLnBrk="0" hangingPunct="0">
-              <a:defRPr/>
-            </a:pPr>
-            <a:r>
-              <a:rPr lang="en-US" sz="2400" dirty="0" smtClean="0"/>
-              <a:t>Current Business Workflow</a:t>
-            </a:r>
-            <a:endParaRPr lang="en-GB" sz="2400" i="1" dirty="0">
-              <a:solidFill>
-                <a:srgbClr val="005C87"/>
-              </a:solidFill>
-              <a:latin typeface="Arial"/>
-            </a:endParaRPr>
-          </a:p>
-        </p:txBody>
-      </p:sp>
-      <p:grpSp>
-        <p:nvGrpSpPr>
-          <p:cNvPr id="2" name="Group 80"/>
-          <p:cNvGrpSpPr>
-            <a:grpSpLocks/>
-          </p:cNvGrpSpPr>
-          <p:nvPr/>
-        </p:nvGrpSpPr>
-        <p:grpSpPr bwMode="auto">
-          <a:xfrm>
-            <a:off x="0" y="1190625"/>
-            <a:ext cx="10688228" cy="84071"/>
-            <a:chOff x="0" y="16273"/>
-            <a:chExt cx="10179" cy="856"/>
-          </a:xfrm>
-        </p:grpSpPr>
-        <p:sp>
-          <p:nvSpPr>
-            <p:cNvPr id="26" name="Rectangle 81"/>
-            <p:cNvSpPr>
-              <a:spLocks noChangeArrowheads="1"/>
-            </p:cNvSpPr>
-            <p:nvPr/>
-          </p:nvSpPr>
-          <p:spPr bwMode="auto">
-            <a:xfrm>
-              <a:off x="0" y="16273"/>
-              <a:ext cx="2380" cy="713"/>
-            </a:xfrm>
-            <a:prstGeom prst="rect">
-              <a:avLst/>
-            </a:prstGeom>
-            <a:solidFill>
-              <a:srgbClr val="6DC067"/>
-            </a:solidFill>
-            <a:ln w="9525">
-              <a:noFill/>
-              <a:miter lim="800000"/>
-              <a:headEnd/>
-              <a:tailEnd/>
-            </a:ln>
-          </p:spPr>
-          <p:txBody>
-            <a:bodyPr/>
-            <a:lstStyle/>
-            <a:p>
-              <a:pPr latinLnBrk="0">
-                <a:defRPr/>
-              </a:pPr>
-              <a:endParaRPr kumimoji="0" lang="en-GB" dirty="0">
-                <a:ea typeface="+mn-ea"/>
-              </a:endParaRPr>
-            </a:p>
-          </p:txBody>
-        </p:sp>
-        <p:sp>
-          <p:nvSpPr>
-            <p:cNvPr id="27" name="Rectangle 82"/>
-            <p:cNvSpPr>
-              <a:spLocks noChangeArrowheads="1"/>
-            </p:cNvSpPr>
-            <p:nvPr/>
-          </p:nvSpPr>
-          <p:spPr bwMode="auto">
-            <a:xfrm>
-              <a:off x="2380" y="16273"/>
-              <a:ext cx="1191" cy="713"/>
-            </a:xfrm>
-            <a:prstGeom prst="rect">
-              <a:avLst/>
-            </a:prstGeom>
-            <a:solidFill>
-              <a:srgbClr val="22AA47"/>
-            </a:solidFill>
-            <a:ln w="9525">
-              <a:noFill/>
-              <a:miter lim="800000"/>
-              <a:headEnd/>
-              <a:tailEnd/>
-            </a:ln>
-          </p:spPr>
-          <p:txBody>
-            <a:bodyPr/>
-            <a:lstStyle/>
-            <a:p>
-              <a:pPr latinLnBrk="0">
-                <a:defRPr/>
-              </a:pPr>
-              <a:endParaRPr kumimoji="0" lang="en-GB" dirty="0">
-                <a:ea typeface="+mn-ea"/>
-              </a:endParaRPr>
-            </a:p>
-          </p:txBody>
-        </p:sp>
-        <p:sp>
-          <p:nvSpPr>
-            <p:cNvPr id="28" name="Rectangle 83"/>
-            <p:cNvSpPr>
-              <a:spLocks noChangeArrowheads="1"/>
-            </p:cNvSpPr>
-            <p:nvPr/>
-          </p:nvSpPr>
-          <p:spPr bwMode="auto">
-            <a:xfrm>
-              <a:off x="3572" y="16273"/>
-              <a:ext cx="1787" cy="713"/>
-            </a:xfrm>
-            <a:prstGeom prst="rect">
-              <a:avLst/>
-            </a:prstGeom>
-            <a:solidFill>
-              <a:srgbClr val="005C86"/>
-            </a:solidFill>
-            <a:ln w="9525">
-              <a:noFill/>
-              <a:miter lim="800000"/>
-              <a:headEnd/>
-              <a:tailEnd/>
-            </a:ln>
-          </p:spPr>
-          <p:txBody>
-            <a:bodyPr/>
-            <a:lstStyle/>
-            <a:p>
-              <a:pPr latinLnBrk="0">
-                <a:defRPr/>
-              </a:pPr>
-              <a:endParaRPr kumimoji="0" lang="en-GB" dirty="0">
-                <a:ea typeface="+mn-ea"/>
-              </a:endParaRPr>
-            </a:p>
-          </p:txBody>
-        </p:sp>
-        <p:sp>
-          <p:nvSpPr>
-            <p:cNvPr id="29" name="Rectangle 84"/>
-            <p:cNvSpPr>
-              <a:spLocks noChangeArrowheads="1"/>
-            </p:cNvSpPr>
-            <p:nvPr/>
-          </p:nvSpPr>
-          <p:spPr bwMode="auto">
-            <a:xfrm>
-              <a:off x="5358" y="16273"/>
-              <a:ext cx="596" cy="713"/>
-            </a:xfrm>
-            <a:prstGeom prst="rect">
-              <a:avLst/>
-            </a:prstGeom>
-            <a:solidFill>
-              <a:srgbClr val="009BD9"/>
-            </a:solidFill>
-            <a:ln w="9525">
-              <a:noFill/>
-              <a:miter lim="800000"/>
-              <a:headEnd/>
-              <a:tailEnd/>
-            </a:ln>
-          </p:spPr>
-          <p:txBody>
-            <a:bodyPr/>
-            <a:lstStyle/>
-            <a:p>
-              <a:pPr latinLnBrk="0">
-                <a:defRPr/>
-              </a:pPr>
-              <a:endParaRPr kumimoji="0" lang="en-GB" dirty="0">
-                <a:ea typeface="+mn-ea"/>
-              </a:endParaRPr>
-            </a:p>
-          </p:txBody>
-        </p:sp>
-        <p:sp>
-          <p:nvSpPr>
-            <p:cNvPr id="30" name="Rectangle 85"/>
-            <p:cNvSpPr>
-              <a:spLocks noChangeArrowheads="1"/>
-            </p:cNvSpPr>
-            <p:nvPr/>
-          </p:nvSpPr>
-          <p:spPr bwMode="auto">
-            <a:xfrm>
-              <a:off x="5954" y="16273"/>
-              <a:ext cx="4225" cy="856"/>
-            </a:xfrm>
-            <a:prstGeom prst="rect">
-              <a:avLst/>
-            </a:prstGeom>
-            <a:solidFill>
-              <a:srgbClr val="00709E"/>
-            </a:solidFill>
-            <a:ln w="9525">
-              <a:noFill/>
-              <a:miter lim="800000"/>
-              <a:headEnd/>
-              <a:tailEnd/>
-            </a:ln>
-          </p:spPr>
-          <p:txBody>
-            <a:bodyPr/>
-            <a:lstStyle/>
-            <a:p>
-              <a:pPr latinLnBrk="0">
-                <a:defRPr/>
-              </a:pPr>
-              <a:endParaRPr kumimoji="0" lang="en-GB" dirty="0">
-                <a:ea typeface="+mn-ea"/>
-              </a:endParaRPr>
-            </a:p>
-          </p:txBody>
-        </p:sp>
-      </p:grpSp>
-      <p:pic>
-        <p:nvPicPr>
-          <p:cNvPr id="31" name="Logo Main"/>
-          <p:cNvPicPr>
-            <a:picLocks noChangeAspect="1" noChangeArrowheads="1"/>
-          </p:cNvPicPr>
-          <p:nvPr/>
-        </p:nvPicPr>
-        <p:blipFill>
-          <a:blip r:embed="rId3" cstate="print"/>
-          <a:srcRect/>
-          <a:stretch>
-            <a:fillRect/>
-          </a:stretch>
-        </p:blipFill>
-        <p:spPr bwMode="auto">
-          <a:xfrm>
-            <a:off x="238919" y="6905625"/>
-            <a:ext cx="952500" cy="363537"/>
-          </a:xfrm>
-          <a:prstGeom prst="rect">
-            <a:avLst/>
-          </a:prstGeom>
-          <a:noFill/>
-          <a:ln w="9525">
-            <a:noFill/>
-            <a:miter lim="800000"/>
-            <a:headEnd/>
-            <a:tailEnd/>
-          </a:ln>
-        </p:spPr>
-      </p:pic>
-      <p:pic>
-        <p:nvPicPr>
-          <p:cNvPr id="11" name="Picture 10"/>
-          <p:cNvPicPr>
-            <a:picLocks noChangeAspect="1" noChangeArrowheads="1"/>
-          </p:cNvPicPr>
-          <p:nvPr/>
-        </p:nvPicPr>
-        <p:blipFill>
-          <a:blip r:embed="rId4" cstate="print"/>
-          <a:srcRect/>
-          <a:stretch>
-            <a:fillRect/>
-          </a:stretch>
-        </p:blipFill>
-        <p:spPr bwMode="auto">
-          <a:xfrm>
-            <a:off x="8697119" y="2252345"/>
-            <a:ext cx="1066800" cy="1125415"/>
-          </a:xfrm>
-          <a:prstGeom prst="rect">
-            <a:avLst/>
-          </a:prstGeom>
-          <a:noFill/>
-          <a:ln w="1">
-            <a:noFill/>
-            <a:miter lim="800000"/>
-            <a:headEnd/>
-            <a:tailEnd type="none" w="med" len="med"/>
-          </a:ln>
-          <a:effectLst/>
-        </p:spPr>
-      </p:pic>
-      <p:pic>
-        <p:nvPicPr>
-          <p:cNvPr id="12" name="Picture 11"/>
-          <p:cNvPicPr>
-            <a:picLocks noChangeAspect="1" noChangeArrowheads="1"/>
-          </p:cNvPicPr>
-          <p:nvPr/>
-        </p:nvPicPr>
-        <p:blipFill>
-          <a:blip r:embed="rId5" cstate="print"/>
-          <a:srcRect/>
-          <a:stretch>
-            <a:fillRect/>
-          </a:stretch>
-        </p:blipFill>
-        <p:spPr bwMode="auto">
-          <a:xfrm>
-            <a:off x="696119" y="2181225"/>
-            <a:ext cx="1219200" cy="1286189"/>
-          </a:xfrm>
-          <a:prstGeom prst="rect">
-            <a:avLst/>
-          </a:prstGeom>
-          <a:noFill/>
-          <a:ln w="1">
-            <a:noFill/>
-            <a:miter lim="800000"/>
-            <a:headEnd/>
-            <a:tailEnd type="none" w="med" len="med"/>
-          </a:ln>
-          <a:effectLst/>
-        </p:spPr>
-      </p:pic>
-      <p:sp>
-        <p:nvSpPr>
-          <p:cNvPr id="13" name="TextBox 12"/>
-          <p:cNvSpPr txBox="1"/>
-          <p:nvPr/>
-        </p:nvSpPr>
-        <p:spPr>
-          <a:xfrm>
-            <a:off x="1077119" y="1800225"/>
-            <a:ext cx="500778" cy="400110"/>
-          </a:xfrm>
-          <a:prstGeom prst="rect">
-            <a:avLst/>
-          </a:prstGeom>
-          <a:noFill/>
-        </p:spPr>
-        <p:txBody>
-          <a:bodyPr wrap="none" rtlCol="0">
-            <a:spAutoFit/>
-          </a:bodyPr>
-          <a:lstStyle/>
-          <a:p>
-            <a:r>
-              <a:rPr lang="en-GB" dirty="0" smtClean="0"/>
-              <a:t>AO</a:t>
-            </a:r>
-            <a:endParaRPr lang="en-GB" dirty="0" smtClean="0"/>
-          </a:p>
-        </p:txBody>
-      </p:sp>
-      <p:sp>
-        <p:nvSpPr>
-          <p:cNvPr id="14" name="Rectangle 13"/>
-          <p:cNvSpPr/>
-          <p:nvPr/>
-        </p:nvSpPr>
-        <p:spPr>
-          <a:xfrm>
-            <a:off x="2753519" y="2445385"/>
-            <a:ext cx="914400" cy="762000"/>
-          </a:xfrm>
-          <a:prstGeom prst="rect">
-            <a:avLst/>
-          </a:prstGeom>
-        </p:spPr>
-        <p:style>
-          <a:lnRef idx="2">
-            <a:schemeClr val="accent1">
-              <a:shade val="50000"/>
-            </a:schemeClr>
-          </a:lnRef>
-          <a:fillRef idx="1">
-            <a:schemeClr val="accent1"/>
-          </a:fillRef>
-          <a:effectRef idx="0">
-            <a:schemeClr val="accent1"/>
-          </a:effectRef>
-          <a:fontRef idx="minor">
-            <a:schemeClr val="lt1"/>
-          </a:fontRef>
-        </p:style>
-        <p:txBody>
-          <a:bodyPr rtlCol="0" anchor="ctr"/>
-          <a:lstStyle/>
-          <a:p>
-            <a:pPr algn="ctr"/>
-            <a:r>
-              <a:rPr lang="en-GB" sz="1600" dirty="0" smtClean="0"/>
-              <a:t>Register Invoice</a:t>
-            </a:r>
-            <a:endParaRPr lang="en-GB" sz="1600" dirty="0"/>
-          </a:p>
-        </p:txBody>
-      </p:sp>
-      <p:cxnSp>
-        <p:nvCxnSpPr>
-          <p:cNvPr id="16" name="Straight Arrow Connector 15"/>
-          <p:cNvCxnSpPr>
-            <a:stCxn id="12" idx="3"/>
-            <a:endCxn id="14" idx="1"/>
-          </p:cNvCxnSpPr>
-          <p:nvPr/>
-        </p:nvCxnSpPr>
-        <p:spPr>
-          <a:xfrm>
-            <a:off x="1915319" y="2824320"/>
-            <a:ext cx="838200" cy="2065"/>
-          </a:xfrm>
-          <a:prstGeom prst="straightConnector1">
-            <a:avLst/>
-          </a:prstGeom>
-          <a:ln>
-            <a:tailEnd type="arrow"/>
-          </a:ln>
-        </p:spPr>
-        <p:style>
-          <a:lnRef idx="1">
-            <a:schemeClr val="accent1"/>
-          </a:lnRef>
-          <a:fillRef idx="0">
-            <a:schemeClr val="accent1"/>
-          </a:fillRef>
-          <a:effectRef idx="0">
-            <a:schemeClr val="accent1"/>
-          </a:effectRef>
-          <a:fontRef idx="minor">
-            <a:schemeClr val="tx1"/>
-          </a:fontRef>
-        </p:style>
-      </p:cxnSp>
-      <p:sp>
-        <p:nvSpPr>
-          <p:cNvPr id="18" name="Diamond 17"/>
-          <p:cNvSpPr/>
-          <p:nvPr/>
-        </p:nvSpPr>
-        <p:spPr>
-          <a:xfrm>
-            <a:off x="4226719" y="2333625"/>
-            <a:ext cx="1371600" cy="990600"/>
-          </a:xfrm>
-          <a:prstGeom prst="diamond">
-            <a:avLst/>
-          </a:prstGeom>
-        </p:spPr>
-        <p:style>
-          <a:lnRef idx="2">
-            <a:schemeClr val="accent1">
-              <a:shade val="50000"/>
-            </a:schemeClr>
-          </a:lnRef>
-          <a:fillRef idx="1">
-            <a:schemeClr val="accent1"/>
-          </a:fillRef>
-          <a:effectRef idx="0">
-            <a:schemeClr val="accent1"/>
-          </a:effectRef>
-          <a:fontRef idx="minor">
-            <a:schemeClr val="lt1"/>
-          </a:fontRef>
-        </p:style>
-        <p:txBody>
-          <a:bodyPr rtlCol="0" anchor="ctr"/>
-          <a:lstStyle/>
-          <a:p>
-            <a:pPr algn="ctr"/>
-            <a:r>
-              <a:rPr lang="en-GB" sz="1600" dirty="0" smtClean="0"/>
-              <a:t>Verify By BRCC</a:t>
-            </a:r>
-            <a:endParaRPr lang="en-GB" sz="1600" dirty="0"/>
-          </a:p>
-        </p:txBody>
-      </p:sp>
-      <p:cxnSp>
-        <p:nvCxnSpPr>
-          <p:cNvPr id="20" name="Straight Arrow Connector 19"/>
-          <p:cNvCxnSpPr>
-            <a:endCxn id="18" idx="1"/>
-          </p:cNvCxnSpPr>
-          <p:nvPr/>
-        </p:nvCxnSpPr>
-        <p:spPr>
-          <a:xfrm>
-            <a:off x="3693319" y="2826385"/>
-            <a:ext cx="533400" cy="2540"/>
-          </a:xfrm>
-          <a:prstGeom prst="straightConnector1">
-            <a:avLst/>
-          </a:prstGeom>
-          <a:ln>
-            <a:tailEnd type="arrow"/>
-          </a:ln>
-        </p:spPr>
-        <p:style>
-          <a:lnRef idx="1">
-            <a:schemeClr val="accent1"/>
-          </a:lnRef>
-          <a:fillRef idx="0">
-            <a:schemeClr val="accent1"/>
-          </a:fillRef>
-          <a:effectRef idx="0">
-            <a:schemeClr val="accent1"/>
-          </a:effectRef>
-          <a:fontRef idx="minor">
-            <a:schemeClr val="tx1"/>
-          </a:fontRef>
-        </p:style>
-      </p:cxnSp>
-      <p:cxnSp>
-        <p:nvCxnSpPr>
-          <p:cNvPr id="23" name="Straight Arrow Connector 22"/>
-          <p:cNvCxnSpPr>
-            <a:stCxn id="18" idx="3"/>
-            <a:endCxn id="40" idx="1"/>
-          </p:cNvCxnSpPr>
-          <p:nvPr/>
-        </p:nvCxnSpPr>
-        <p:spPr>
-          <a:xfrm flipV="1">
-            <a:off x="5598319" y="2816225"/>
-            <a:ext cx="949960" cy="12700"/>
-          </a:xfrm>
-          <a:prstGeom prst="straightConnector1">
-            <a:avLst/>
-          </a:prstGeom>
-          <a:ln>
-            <a:tailEnd type="arrow"/>
-          </a:ln>
-        </p:spPr>
-        <p:style>
-          <a:lnRef idx="1">
-            <a:schemeClr val="accent1"/>
-          </a:lnRef>
-          <a:fillRef idx="0">
-            <a:schemeClr val="accent1"/>
-          </a:fillRef>
-          <a:effectRef idx="0">
-            <a:schemeClr val="accent1"/>
-          </a:effectRef>
-          <a:fontRef idx="minor">
-            <a:schemeClr val="tx1"/>
-          </a:fontRef>
-        </p:style>
-      </p:cxnSp>
-      <p:sp>
-        <p:nvSpPr>
-          <p:cNvPr id="24" name="TextBox 23"/>
-          <p:cNvSpPr txBox="1"/>
-          <p:nvPr/>
-        </p:nvSpPr>
-        <p:spPr>
-          <a:xfrm>
-            <a:off x="8722519" y="1800225"/>
-            <a:ext cx="970587" cy="400110"/>
-          </a:xfrm>
-          <a:prstGeom prst="rect">
-            <a:avLst/>
-          </a:prstGeom>
-          <a:noFill/>
-        </p:spPr>
-        <p:txBody>
-          <a:bodyPr wrap="none" rtlCol="0">
-            <a:spAutoFit/>
-          </a:bodyPr>
-          <a:lstStyle/>
-          <a:p>
-            <a:r>
-              <a:rPr lang="en-GB" dirty="0" err="1" smtClean="0"/>
-              <a:t>Indexor</a:t>
-            </a:r>
-            <a:endParaRPr lang="en-GB" dirty="0" smtClean="0"/>
-          </a:p>
-        </p:txBody>
-      </p:sp>
-      <p:sp>
-        <p:nvSpPr>
-          <p:cNvPr id="25" name="TextBox 24"/>
-          <p:cNvSpPr txBox="1"/>
-          <p:nvPr/>
-        </p:nvSpPr>
-        <p:spPr>
-          <a:xfrm>
-            <a:off x="5826919" y="2333625"/>
-            <a:ext cx="309700" cy="400110"/>
-          </a:xfrm>
-          <a:prstGeom prst="rect">
-            <a:avLst/>
-          </a:prstGeom>
-          <a:noFill/>
-        </p:spPr>
-        <p:txBody>
-          <a:bodyPr wrap="none" rtlCol="0">
-            <a:spAutoFit/>
-          </a:bodyPr>
-          <a:lstStyle/>
-          <a:p>
-            <a:r>
-              <a:rPr lang="en-GB" dirty="0" smtClean="0"/>
-              <a:t>Y</a:t>
-            </a:r>
-            <a:endParaRPr lang="en-GB" dirty="0" smtClean="0"/>
-          </a:p>
-        </p:txBody>
-      </p:sp>
-      <p:sp>
-        <p:nvSpPr>
-          <p:cNvPr id="40" name="Rectangle 39"/>
-          <p:cNvSpPr/>
-          <p:nvPr/>
-        </p:nvSpPr>
-        <p:spPr>
-          <a:xfrm>
-            <a:off x="6548279" y="2435225"/>
-            <a:ext cx="914400" cy="762000"/>
-          </a:xfrm>
-          <a:prstGeom prst="rect">
-            <a:avLst/>
-          </a:prstGeom>
-        </p:spPr>
-        <p:style>
-          <a:lnRef idx="2">
-            <a:schemeClr val="accent1">
-              <a:shade val="50000"/>
-            </a:schemeClr>
-          </a:lnRef>
-          <a:fillRef idx="1">
-            <a:schemeClr val="accent1"/>
-          </a:fillRef>
-          <a:effectRef idx="0">
-            <a:schemeClr val="accent1"/>
-          </a:effectRef>
-          <a:fontRef idx="minor">
-            <a:schemeClr val="lt1"/>
-          </a:fontRef>
-        </p:style>
-        <p:txBody>
-          <a:bodyPr rtlCol="0" anchor="ctr"/>
-          <a:lstStyle/>
-          <a:p>
-            <a:pPr algn="ctr"/>
-            <a:r>
-              <a:rPr lang="en-GB" sz="1600" dirty="0" smtClean="0"/>
-              <a:t>Scan</a:t>
-            </a:r>
-            <a:r>
-              <a:rPr lang="en-US" sz="1600" dirty="0" smtClean="0"/>
-              <a:t> Invoice</a:t>
-            </a:r>
-            <a:endParaRPr lang="en-GB" sz="1600" dirty="0"/>
-          </a:p>
-        </p:txBody>
-      </p:sp>
-      <p:cxnSp>
-        <p:nvCxnSpPr>
-          <p:cNvPr id="45" name="Straight Arrow Connector 44"/>
-          <p:cNvCxnSpPr>
-            <a:stCxn id="40" idx="3"/>
-            <a:endCxn id="11" idx="1"/>
-          </p:cNvCxnSpPr>
-          <p:nvPr/>
-        </p:nvCxnSpPr>
-        <p:spPr>
-          <a:xfrm flipV="1">
-            <a:off x="7462679" y="2815053"/>
-            <a:ext cx="1234440" cy="1172"/>
-          </a:xfrm>
-          <a:prstGeom prst="straightConnector1">
-            <a:avLst/>
-          </a:prstGeom>
-          <a:ln>
-            <a:tailEnd type="arrow"/>
-          </a:ln>
-        </p:spPr>
-        <p:style>
-          <a:lnRef idx="1">
-            <a:schemeClr val="accent1"/>
-          </a:lnRef>
-          <a:fillRef idx="0">
-            <a:schemeClr val="accent1"/>
-          </a:fillRef>
-          <a:effectRef idx="0">
-            <a:schemeClr val="accent1"/>
-          </a:effectRef>
-          <a:fontRef idx="minor">
-            <a:schemeClr val="tx1"/>
-          </a:fontRef>
-        </p:style>
-      </p:cxnSp>
-      <p:pic>
-        <p:nvPicPr>
-          <p:cNvPr id="47" name="Picture 46"/>
-          <p:cNvPicPr>
-            <a:picLocks noChangeAspect="1" noChangeArrowheads="1"/>
-          </p:cNvPicPr>
-          <p:nvPr/>
-        </p:nvPicPr>
-        <p:blipFill>
-          <a:blip r:embed="rId4" cstate="print"/>
-          <a:srcRect/>
-          <a:stretch>
-            <a:fillRect/>
-          </a:stretch>
-        </p:blipFill>
-        <p:spPr bwMode="auto">
-          <a:xfrm>
-            <a:off x="6563519" y="4086225"/>
-            <a:ext cx="1066800" cy="1125415"/>
-          </a:xfrm>
-          <a:prstGeom prst="rect">
-            <a:avLst/>
-          </a:prstGeom>
-          <a:noFill/>
-          <a:ln w="1">
-            <a:noFill/>
-            <a:miter lim="800000"/>
-            <a:headEnd/>
-            <a:tailEnd type="none" w="med" len="med"/>
-          </a:ln>
-          <a:effectLst/>
-        </p:spPr>
-      </p:pic>
-      <p:sp>
-        <p:nvSpPr>
-          <p:cNvPr id="49" name="TextBox 48"/>
-          <p:cNvSpPr txBox="1"/>
-          <p:nvPr/>
-        </p:nvSpPr>
-        <p:spPr>
-          <a:xfrm>
-            <a:off x="6715919" y="3629025"/>
-            <a:ext cx="733855" cy="400110"/>
-          </a:xfrm>
-          <a:prstGeom prst="rect">
-            <a:avLst/>
-          </a:prstGeom>
-          <a:noFill/>
-        </p:spPr>
-        <p:txBody>
-          <a:bodyPr wrap="none" rtlCol="0">
-            <a:spAutoFit/>
-          </a:bodyPr>
-          <a:lstStyle/>
-          <a:p>
-            <a:r>
-              <a:rPr lang="en-GB" dirty="0" smtClean="0"/>
-              <a:t>BRCC</a:t>
-            </a:r>
-            <a:endParaRPr lang="en-GB" dirty="0" smtClean="0"/>
-          </a:p>
-        </p:txBody>
-      </p:sp>
-      <p:cxnSp>
-        <p:nvCxnSpPr>
-          <p:cNvPr id="51" name="Shape 50"/>
-          <p:cNvCxnSpPr>
-            <a:stCxn id="18" idx="2"/>
-            <a:endCxn id="47" idx="1"/>
-          </p:cNvCxnSpPr>
-          <p:nvPr/>
-        </p:nvCxnSpPr>
-        <p:spPr>
-          <a:xfrm rot="16200000" flipH="1">
-            <a:off x="5075665" y="3161079"/>
-            <a:ext cx="1324708" cy="1651000"/>
-          </a:xfrm>
-          <a:prstGeom prst="bentConnector2">
-            <a:avLst/>
-          </a:prstGeom>
-          <a:ln>
-            <a:tailEnd type="arrow"/>
-          </a:ln>
-        </p:spPr>
-        <p:style>
-          <a:lnRef idx="1">
-            <a:schemeClr val="accent1"/>
-          </a:lnRef>
-          <a:fillRef idx="0">
-            <a:schemeClr val="accent1"/>
-          </a:fillRef>
-          <a:effectRef idx="0">
-            <a:schemeClr val="accent1"/>
-          </a:effectRef>
-          <a:fontRef idx="minor">
-            <a:schemeClr val="tx1"/>
-          </a:fontRef>
-        </p:style>
-      </p:cxnSp>
-      <p:sp>
-        <p:nvSpPr>
-          <p:cNvPr id="52" name="TextBox 51"/>
-          <p:cNvSpPr txBox="1"/>
-          <p:nvPr/>
-        </p:nvSpPr>
-        <p:spPr>
-          <a:xfrm>
-            <a:off x="3972719" y="4010025"/>
-            <a:ext cx="939360" cy="338554"/>
-          </a:xfrm>
-          <a:prstGeom prst="rect">
-            <a:avLst/>
-          </a:prstGeom>
-          <a:noFill/>
-        </p:spPr>
-        <p:txBody>
-          <a:bodyPr wrap="none" rtlCol="0">
-            <a:spAutoFit/>
-          </a:bodyPr>
-          <a:lstStyle/>
-          <a:p>
-            <a:r>
-              <a:rPr lang="en-GB" sz="1600" dirty="0" smtClean="0"/>
-              <a:t>feedback</a:t>
-            </a:r>
-            <a:endParaRPr lang="en-GB" sz="1600" dirty="0" smtClean="0"/>
-          </a:p>
-        </p:txBody>
-      </p:sp>
-    </p:spTree>
-  </p:cSld>
-  <p:clrMapOvr>
-    <a:masterClrMapping/>
-  </p:clrMapOvr>
-  <p:transition/>
-  <p:timing>
-    <p:tnLst>
-      <p:par>
-        <p:cTn id="1" dur="indefinite" restart="never" nodeType="tmRoot">
-          <p:childTnLst>
-            <p:seq concurrent="1" nextAc="seek">
-              <p:cTn id="2" dur="indefinite" nodeType="mainSeq">
-                <p:childTnLst>
-                  <p:par>
-                    <p:cTn id="3" fill="hold">
-                      <p:stCondLst>
-                        <p:cond delay="indefinite"/>
-                      </p:stCondLst>
-                      <p:childTnLst>
-                        <p:par>
-                          <p:cTn id="4" fill="hold">
-                            <p:stCondLst>
-                              <p:cond delay="0"/>
-                            </p:stCondLst>
-                            <p:childTnLst>
-                              <p:par>
-                                <p:cTn id="5" presetID="10" presetClass="entr" presetSubtype="0" fill="hold" grpId="0" nodeType="clickEffect">
-                                  <p:stCondLst>
-                                    <p:cond delay="0"/>
-                                  </p:stCondLst>
-                                  <p:childTnLst>
-                                    <p:set>
-                                      <p:cBhvr>
-                                        <p:cTn id="6" dur="1" fill="hold">
-                                          <p:stCondLst>
-                                            <p:cond delay="0"/>
-                                          </p:stCondLst>
-                                        </p:cTn>
-                                        <p:tgtEl>
-                                          <p:spTgt spid="13"/>
-                                        </p:tgtEl>
-                                        <p:attrNameLst>
-                                          <p:attrName>style.visibility</p:attrName>
-                                        </p:attrNameLst>
-                                      </p:cBhvr>
-                                      <p:to>
-                                        <p:strVal val="visible"/>
-                                      </p:to>
-                                    </p:set>
-                                    <p:animEffect transition="in" filter="fade">
-                                      <p:cBhvr>
-                                        <p:cTn id="7" dur="2000"/>
-                                        <p:tgtEl>
-                                          <p:spTgt spid="13"/>
-                                        </p:tgtEl>
-                                      </p:cBhvr>
-                                    </p:animEffect>
-                                  </p:childTnLst>
-                                </p:cTn>
-                              </p:par>
-                              <p:par>
-                                <p:cTn id="8" presetID="10" presetClass="entr" presetSubtype="0" fill="hold" nodeType="withEffect">
-                                  <p:stCondLst>
-                                    <p:cond delay="0"/>
-                                  </p:stCondLst>
-                                  <p:childTnLst>
-                                    <p:set>
-                                      <p:cBhvr>
-                                        <p:cTn id="9" dur="1" fill="hold">
-                                          <p:stCondLst>
-                                            <p:cond delay="0"/>
-                                          </p:stCondLst>
-                                        </p:cTn>
-                                        <p:tgtEl>
-                                          <p:spTgt spid="12"/>
-                                        </p:tgtEl>
-                                        <p:attrNameLst>
-                                          <p:attrName>style.visibility</p:attrName>
-                                        </p:attrNameLst>
-                                      </p:cBhvr>
-                                      <p:to>
-                                        <p:strVal val="visible"/>
-                                      </p:to>
-                                    </p:set>
-                                    <p:animEffect transition="in" filter="fade">
-                                      <p:cBhvr>
-                                        <p:cTn id="10" dur="2000"/>
-                                        <p:tgtEl>
-                                          <p:spTgt spid="12"/>
-                                        </p:tgtEl>
-                                      </p:cBhvr>
-                                    </p:animEffect>
-                                  </p:childTnLst>
-                                </p:cTn>
-                              </p:par>
-                            </p:childTnLst>
-                          </p:cTn>
-                        </p:par>
-                      </p:childTnLst>
-                    </p:cTn>
-                  </p:par>
-                  <p:par>
-                    <p:cTn id="11" fill="hold">
-                      <p:stCondLst>
-                        <p:cond delay="indefinite"/>
-                      </p:stCondLst>
-                      <p:childTnLst>
-                        <p:par>
-                          <p:cTn id="12" fill="hold">
-                            <p:stCondLst>
-                              <p:cond delay="0"/>
-                            </p:stCondLst>
-                            <p:childTnLst>
-                              <p:par>
-                                <p:cTn id="13" presetID="10" presetClass="entr" presetSubtype="0" fill="hold" nodeType="clickEffect">
-                                  <p:stCondLst>
-                                    <p:cond delay="0"/>
-                                  </p:stCondLst>
-                                  <p:childTnLst>
-                                    <p:set>
-                                      <p:cBhvr>
-                                        <p:cTn id="14" dur="1" fill="hold">
-                                          <p:stCondLst>
-                                            <p:cond delay="0"/>
-                                          </p:stCondLst>
-                                        </p:cTn>
-                                        <p:tgtEl>
-                                          <p:spTgt spid="16"/>
-                                        </p:tgtEl>
-                                        <p:attrNameLst>
-                                          <p:attrName>style.visibility</p:attrName>
-                                        </p:attrNameLst>
-                                      </p:cBhvr>
-                                      <p:to>
-                                        <p:strVal val="visible"/>
-                                      </p:to>
-                                    </p:set>
-                                    <p:animEffect transition="in" filter="fade">
-                                      <p:cBhvr>
-                                        <p:cTn id="15" dur="2000"/>
-                                        <p:tgtEl>
-                                          <p:spTgt spid="16"/>
-                                        </p:tgtEl>
-                                      </p:cBhvr>
-                                    </p:animEffect>
-                                  </p:childTnLst>
-                                </p:cTn>
-                              </p:par>
-                              <p:par>
-                                <p:cTn id="16" presetID="10" presetClass="entr" presetSubtype="0" fill="hold" grpId="0" nodeType="withEffect">
-                                  <p:stCondLst>
-                                    <p:cond delay="0"/>
-                                  </p:stCondLst>
-                                  <p:childTnLst>
-                                    <p:set>
-                                      <p:cBhvr>
-                                        <p:cTn id="17" dur="1" fill="hold">
-                                          <p:stCondLst>
-                                            <p:cond delay="0"/>
-                                          </p:stCondLst>
-                                        </p:cTn>
-                                        <p:tgtEl>
-                                          <p:spTgt spid="14"/>
-                                        </p:tgtEl>
-                                        <p:attrNameLst>
-                                          <p:attrName>style.visibility</p:attrName>
-                                        </p:attrNameLst>
-                                      </p:cBhvr>
-                                      <p:to>
-                                        <p:strVal val="visible"/>
-                                      </p:to>
-                                    </p:set>
-                                    <p:animEffect transition="in" filter="fade">
-                                      <p:cBhvr>
-                                        <p:cTn id="18" dur="2000"/>
-                                        <p:tgtEl>
-                                          <p:spTgt spid="14"/>
-                                        </p:tgtEl>
-                                      </p:cBhvr>
-                                    </p:animEffect>
-                                  </p:childTnLst>
-                                </p:cTn>
-                              </p:par>
-                            </p:childTnLst>
-                          </p:cTn>
-                        </p:par>
-                      </p:childTnLst>
-                    </p:cTn>
-                  </p:par>
-                  <p:par>
-                    <p:cTn id="19" fill="hold">
-                      <p:stCondLst>
-                        <p:cond delay="indefinite"/>
-                      </p:stCondLst>
-                      <p:childTnLst>
-                        <p:par>
-                          <p:cTn id="20" fill="hold">
-                            <p:stCondLst>
-                              <p:cond delay="0"/>
-                            </p:stCondLst>
-                            <p:childTnLst>
-                              <p:par>
-                                <p:cTn id="21" presetID="10" presetClass="entr" presetSubtype="0" fill="hold" nodeType="clickEffect">
-                                  <p:stCondLst>
-                                    <p:cond delay="0"/>
-                                  </p:stCondLst>
-                                  <p:childTnLst>
-                                    <p:set>
-                                      <p:cBhvr>
-                                        <p:cTn id="22" dur="1" fill="hold">
-                                          <p:stCondLst>
-                                            <p:cond delay="0"/>
-                                          </p:stCondLst>
-                                        </p:cTn>
-                                        <p:tgtEl>
-                                          <p:spTgt spid="20"/>
-                                        </p:tgtEl>
-                                        <p:attrNameLst>
-                                          <p:attrName>style.visibility</p:attrName>
-                                        </p:attrNameLst>
-                                      </p:cBhvr>
-                                      <p:to>
-                                        <p:strVal val="visible"/>
-                                      </p:to>
-                                    </p:set>
-                                    <p:animEffect transition="in" filter="fade">
-                                      <p:cBhvr>
-                                        <p:cTn id="23" dur="2000"/>
-                                        <p:tgtEl>
-                                          <p:spTgt spid="20"/>
-                                        </p:tgtEl>
-                                      </p:cBhvr>
-                                    </p:animEffect>
-                                  </p:childTnLst>
-                                </p:cTn>
-                              </p:par>
-                              <p:par>
-                                <p:cTn id="24" presetID="10" presetClass="entr" presetSubtype="0" fill="hold" grpId="0" nodeType="withEffect">
-                                  <p:stCondLst>
-                                    <p:cond delay="0"/>
-                                  </p:stCondLst>
-                                  <p:childTnLst>
-                                    <p:set>
-                                      <p:cBhvr>
-                                        <p:cTn id="25" dur="1" fill="hold">
-                                          <p:stCondLst>
-                                            <p:cond delay="0"/>
-                                          </p:stCondLst>
-                                        </p:cTn>
-                                        <p:tgtEl>
-                                          <p:spTgt spid="18"/>
-                                        </p:tgtEl>
-                                        <p:attrNameLst>
-                                          <p:attrName>style.visibility</p:attrName>
-                                        </p:attrNameLst>
-                                      </p:cBhvr>
-                                      <p:to>
-                                        <p:strVal val="visible"/>
-                                      </p:to>
-                                    </p:set>
-                                    <p:animEffect transition="in" filter="fade">
-                                      <p:cBhvr>
-                                        <p:cTn id="26" dur="2000"/>
-                                        <p:tgtEl>
-                                          <p:spTgt spid="18"/>
-                                        </p:tgtEl>
-                                      </p:cBhvr>
-                                    </p:animEffect>
-                                  </p:childTnLst>
-                                </p:cTn>
-                              </p:par>
-                              <p:par>
-                                <p:cTn id="27" presetID="10" presetClass="entr" presetSubtype="0" fill="hold" grpId="0" nodeType="withEffect">
-                                  <p:stCondLst>
-                                    <p:cond delay="0"/>
-                                  </p:stCondLst>
-                                  <p:childTnLst>
-                                    <p:set>
-                                      <p:cBhvr>
-                                        <p:cTn id="28" dur="1" fill="hold">
-                                          <p:stCondLst>
-                                            <p:cond delay="0"/>
-                                          </p:stCondLst>
-                                        </p:cTn>
-                                        <p:tgtEl>
-                                          <p:spTgt spid="25"/>
-                                        </p:tgtEl>
-                                        <p:attrNameLst>
-                                          <p:attrName>style.visibility</p:attrName>
-                                        </p:attrNameLst>
-                                      </p:cBhvr>
-                                      <p:to>
-                                        <p:strVal val="visible"/>
-                                      </p:to>
-                                    </p:set>
-                                    <p:animEffect transition="in" filter="fade">
-                                      <p:cBhvr>
-                                        <p:cTn id="29" dur="2000"/>
-                                        <p:tgtEl>
-                                          <p:spTgt spid="25"/>
-                                        </p:tgtEl>
-                                      </p:cBhvr>
-                                    </p:animEffect>
-                                  </p:childTnLst>
-                                </p:cTn>
-                              </p:par>
-                              <p:par>
-                                <p:cTn id="30" presetID="10" presetClass="entr" presetSubtype="0" fill="hold" nodeType="withEffect">
-                                  <p:stCondLst>
-                                    <p:cond delay="0"/>
-                                  </p:stCondLst>
-                                  <p:childTnLst>
-                                    <p:set>
-                                      <p:cBhvr>
-                                        <p:cTn id="31" dur="1" fill="hold">
-                                          <p:stCondLst>
-                                            <p:cond delay="0"/>
-                                          </p:stCondLst>
-                                        </p:cTn>
-                                        <p:tgtEl>
-                                          <p:spTgt spid="23"/>
-                                        </p:tgtEl>
-                                        <p:attrNameLst>
-                                          <p:attrName>style.visibility</p:attrName>
-                                        </p:attrNameLst>
-                                      </p:cBhvr>
-                                      <p:to>
-                                        <p:strVal val="visible"/>
-                                      </p:to>
-                                    </p:set>
-                                    <p:animEffect transition="in" filter="fade">
-                                      <p:cBhvr>
-                                        <p:cTn id="32" dur="2000"/>
-                                        <p:tgtEl>
-                                          <p:spTgt spid="23"/>
-                                        </p:tgtEl>
-                                      </p:cBhvr>
-                                    </p:animEffect>
-                                  </p:childTnLst>
-                                </p:cTn>
-                              </p:par>
-                              <p:par>
-                                <p:cTn id="33" presetID="10" presetClass="entr" presetSubtype="0" fill="hold" grpId="0" nodeType="withEffect">
-                                  <p:stCondLst>
-                                    <p:cond delay="0"/>
-                                  </p:stCondLst>
-                                  <p:childTnLst>
-                                    <p:set>
-                                      <p:cBhvr>
-                                        <p:cTn id="34" dur="1" fill="hold">
-                                          <p:stCondLst>
-                                            <p:cond delay="0"/>
-                                          </p:stCondLst>
-                                        </p:cTn>
-                                        <p:tgtEl>
-                                          <p:spTgt spid="40"/>
-                                        </p:tgtEl>
-                                        <p:attrNameLst>
-                                          <p:attrName>style.visibility</p:attrName>
-                                        </p:attrNameLst>
-                                      </p:cBhvr>
-                                      <p:to>
-                                        <p:strVal val="visible"/>
-                                      </p:to>
-                                    </p:set>
-                                    <p:animEffect transition="in" filter="fade">
-                                      <p:cBhvr>
-                                        <p:cTn id="35" dur="2000"/>
-                                        <p:tgtEl>
-                                          <p:spTgt spid="40"/>
-                                        </p:tgtEl>
-                                      </p:cBhvr>
-                                    </p:animEffect>
-                                  </p:childTnLst>
-                                </p:cTn>
-                              </p:par>
-                              <p:par>
-                                <p:cTn id="36" presetID="10" presetClass="entr" presetSubtype="0" fill="hold" nodeType="withEffect">
-                                  <p:stCondLst>
-                                    <p:cond delay="0"/>
-                                  </p:stCondLst>
-                                  <p:childTnLst>
-                                    <p:set>
-                                      <p:cBhvr>
-                                        <p:cTn id="37" dur="1" fill="hold">
-                                          <p:stCondLst>
-                                            <p:cond delay="0"/>
-                                          </p:stCondLst>
-                                        </p:cTn>
-                                        <p:tgtEl>
-                                          <p:spTgt spid="45"/>
-                                        </p:tgtEl>
-                                        <p:attrNameLst>
-                                          <p:attrName>style.visibility</p:attrName>
-                                        </p:attrNameLst>
-                                      </p:cBhvr>
-                                      <p:to>
-                                        <p:strVal val="visible"/>
-                                      </p:to>
-                                    </p:set>
-                                    <p:animEffect transition="in" filter="fade">
-                                      <p:cBhvr>
-                                        <p:cTn id="38" dur="2000"/>
-                                        <p:tgtEl>
-                                          <p:spTgt spid="45"/>
-                                        </p:tgtEl>
-                                      </p:cBhvr>
-                                    </p:animEffect>
-                                  </p:childTnLst>
-                                </p:cTn>
-                              </p:par>
-                              <p:par>
-                                <p:cTn id="39" presetID="10" presetClass="entr" presetSubtype="0" fill="hold" nodeType="withEffect">
-                                  <p:stCondLst>
-                                    <p:cond delay="0"/>
-                                  </p:stCondLst>
-                                  <p:childTnLst>
-                                    <p:set>
-                                      <p:cBhvr>
-                                        <p:cTn id="40" dur="1" fill="hold">
-                                          <p:stCondLst>
-                                            <p:cond delay="0"/>
-                                          </p:stCondLst>
-                                        </p:cTn>
-                                        <p:tgtEl>
-                                          <p:spTgt spid="11"/>
-                                        </p:tgtEl>
-                                        <p:attrNameLst>
-                                          <p:attrName>style.visibility</p:attrName>
-                                        </p:attrNameLst>
-                                      </p:cBhvr>
-                                      <p:to>
-                                        <p:strVal val="visible"/>
-                                      </p:to>
-                                    </p:set>
-                                    <p:animEffect transition="in" filter="fade">
-                                      <p:cBhvr>
-                                        <p:cTn id="41" dur="2000"/>
-                                        <p:tgtEl>
-                                          <p:spTgt spid="11"/>
-                                        </p:tgtEl>
-                                      </p:cBhvr>
-                                    </p:animEffect>
-                                  </p:childTnLst>
-                                </p:cTn>
-                              </p:par>
-                              <p:par>
-                                <p:cTn id="42" presetID="10" presetClass="entr" presetSubtype="0" fill="hold" grpId="0" nodeType="withEffect">
-                                  <p:stCondLst>
-                                    <p:cond delay="0"/>
-                                  </p:stCondLst>
-                                  <p:childTnLst>
-                                    <p:set>
-                                      <p:cBhvr>
-                                        <p:cTn id="43" dur="1" fill="hold">
-                                          <p:stCondLst>
-                                            <p:cond delay="0"/>
-                                          </p:stCondLst>
-                                        </p:cTn>
-                                        <p:tgtEl>
-                                          <p:spTgt spid="24"/>
-                                        </p:tgtEl>
-                                        <p:attrNameLst>
-                                          <p:attrName>style.visibility</p:attrName>
-                                        </p:attrNameLst>
-                                      </p:cBhvr>
-                                      <p:to>
-                                        <p:strVal val="visible"/>
-                                      </p:to>
-                                    </p:set>
-                                    <p:animEffect transition="in" filter="fade">
-                                      <p:cBhvr>
-                                        <p:cTn id="44" dur="2000"/>
-                                        <p:tgtEl>
-                                          <p:spTgt spid="24"/>
-                                        </p:tgtEl>
-                                      </p:cBhvr>
-                                    </p:animEffect>
-                                  </p:childTnLst>
-                                </p:cTn>
-                              </p:par>
-                            </p:childTnLst>
-                          </p:cTn>
-                        </p:par>
-                      </p:childTnLst>
-                    </p:cTn>
-                  </p:par>
-                  <p:par>
-                    <p:cTn id="45" fill="hold">
-                      <p:stCondLst>
-                        <p:cond delay="indefinite"/>
-                      </p:stCondLst>
-                      <p:childTnLst>
-                        <p:par>
-                          <p:cTn id="46" fill="hold">
-                            <p:stCondLst>
-                              <p:cond delay="0"/>
-                            </p:stCondLst>
-                            <p:childTnLst>
-                              <p:par>
-                                <p:cTn id="47" presetID="10" presetClass="entr" presetSubtype="0" fill="hold" nodeType="clickEffect">
-                                  <p:stCondLst>
-                                    <p:cond delay="0"/>
-                                  </p:stCondLst>
-                                  <p:childTnLst>
-                                    <p:set>
-                                      <p:cBhvr>
-                                        <p:cTn id="48" dur="1" fill="hold">
-                                          <p:stCondLst>
-                                            <p:cond delay="0"/>
-                                          </p:stCondLst>
-                                        </p:cTn>
-                                        <p:tgtEl>
-                                          <p:spTgt spid="51"/>
-                                        </p:tgtEl>
-                                        <p:attrNameLst>
-                                          <p:attrName>style.visibility</p:attrName>
-                                        </p:attrNameLst>
-                                      </p:cBhvr>
-                                      <p:to>
-                                        <p:strVal val="visible"/>
-                                      </p:to>
-                                    </p:set>
-                                    <p:animEffect transition="in" filter="fade">
-                                      <p:cBhvr>
-                                        <p:cTn id="49" dur="2000"/>
-                                        <p:tgtEl>
-                                          <p:spTgt spid="51"/>
-                                        </p:tgtEl>
-                                      </p:cBhvr>
-                                    </p:animEffect>
-                                  </p:childTnLst>
-                                </p:cTn>
-                              </p:par>
-                              <p:par>
-                                <p:cTn id="50" presetID="10" presetClass="entr" presetSubtype="0" fill="hold" grpId="0" nodeType="withEffect">
-                                  <p:stCondLst>
-                                    <p:cond delay="0"/>
-                                  </p:stCondLst>
-                                  <p:childTnLst>
-                                    <p:set>
-                                      <p:cBhvr>
-                                        <p:cTn id="51" dur="1" fill="hold">
-                                          <p:stCondLst>
-                                            <p:cond delay="0"/>
-                                          </p:stCondLst>
-                                        </p:cTn>
-                                        <p:tgtEl>
-                                          <p:spTgt spid="52"/>
-                                        </p:tgtEl>
-                                        <p:attrNameLst>
-                                          <p:attrName>style.visibility</p:attrName>
-                                        </p:attrNameLst>
-                                      </p:cBhvr>
-                                      <p:to>
-                                        <p:strVal val="visible"/>
-                                      </p:to>
-                                    </p:set>
-                                    <p:animEffect transition="in" filter="fade">
-                                      <p:cBhvr>
-                                        <p:cTn id="52" dur="2000"/>
-                                        <p:tgtEl>
-                                          <p:spTgt spid="52"/>
-                                        </p:tgtEl>
-                                      </p:cBhvr>
-                                    </p:animEffect>
-                                  </p:childTnLst>
-                                </p:cTn>
-                              </p:par>
-                              <p:par>
-                                <p:cTn id="53" presetID="10" presetClass="entr" presetSubtype="0" fill="hold" grpId="0" nodeType="withEffect">
-                                  <p:stCondLst>
-                                    <p:cond delay="0"/>
-                                  </p:stCondLst>
-                                  <p:childTnLst>
-                                    <p:set>
-                                      <p:cBhvr>
-                                        <p:cTn id="54" dur="1" fill="hold">
-                                          <p:stCondLst>
-                                            <p:cond delay="0"/>
-                                          </p:stCondLst>
-                                        </p:cTn>
-                                        <p:tgtEl>
-                                          <p:spTgt spid="49"/>
-                                        </p:tgtEl>
-                                        <p:attrNameLst>
-                                          <p:attrName>style.visibility</p:attrName>
-                                        </p:attrNameLst>
-                                      </p:cBhvr>
-                                      <p:to>
-                                        <p:strVal val="visible"/>
-                                      </p:to>
-                                    </p:set>
-                                    <p:animEffect transition="in" filter="fade">
-                                      <p:cBhvr>
-                                        <p:cTn id="55" dur="2000"/>
-                                        <p:tgtEl>
-                                          <p:spTgt spid="49"/>
-                                        </p:tgtEl>
-                                      </p:cBhvr>
-                                    </p:animEffect>
-                                  </p:childTnLst>
-                                </p:cTn>
-                              </p:par>
-                              <p:par>
-                                <p:cTn id="56" presetID="10" presetClass="entr" presetSubtype="0" fill="hold" nodeType="withEffect">
-                                  <p:stCondLst>
-                                    <p:cond delay="0"/>
-                                  </p:stCondLst>
-                                  <p:childTnLst>
-                                    <p:set>
-                                      <p:cBhvr>
-                                        <p:cTn id="57" dur="1" fill="hold">
-                                          <p:stCondLst>
-                                            <p:cond delay="0"/>
-                                          </p:stCondLst>
-                                        </p:cTn>
-                                        <p:tgtEl>
-                                          <p:spTgt spid="47"/>
-                                        </p:tgtEl>
-                                        <p:attrNameLst>
-                                          <p:attrName>style.visibility</p:attrName>
-                                        </p:attrNameLst>
-                                      </p:cBhvr>
-                                      <p:to>
-                                        <p:strVal val="visible"/>
-                                      </p:to>
-                                    </p:set>
-                                    <p:animEffect transition="in" filter="fade">
-                                      <p:cBhvr>
-                                        <p:cTn id="58" dur="2000"/>
-                                        <p:tgtEl>
-                                          <p:spTgt spid="47"/>
-                                        </p:tgtEl>
-                                      </p:cBhvr>
-                                    </p:animEffect>
-                                  </p:childTnLst>
-                                </p:cTn>
-                              </p:par>
-                            </p:childTnLst>
-                          </p:cTn>
-                        </p:par>
-                      </p:childTnLst>
-                    </p:cTn>
-                  </p:par>
-                </p:childTnLst>
-              </p:cTn>
-              <p:prevCondLst>
-                <p:cond evt="onPrev" delay="0">
-                  <p:tgtEl>
-                    <p:sldTgt/>
-                  </p:tgtEl>
-                </p:cond>
-              </p:prevCondLst>
-              <p:nextCondLst>
-                <p:cond evt="onNext" delay="0">
-                  <p:tgtEl>
-                    <p:sldTgt/>
-                  </p:tgtEl>
-                </p:cond>
-              </p:nextCondLst>
-            </p:seq>
-          </p:childTnLst>
-        </p:cTn>
-      </p:par>
-    </p:tnLst>
-    <p:bldLst>
-      <p:bldP spid="13" grpId="0"/>
-      <p:bldP spid="14" grpId="0" animBg="1"/>
-      <p:bldP spid="18" grpId="0" animBg="1"/>
-      <p:bldP spid="24" grpId="0"/>
-      <p:bldP spid="25" grpId="0"/>
-      <p:bldP spid="40" grpId="0" animBg="1"/>
-      <p:bldP spid="49" grpId="0"/>
-      <p:bldP spid="52" grpId="0"/>
-    </p:bldLst>
-  </p:timing>
-</p:sld>
-</file>
-
 <file path=ppt/slides/slide6.xml><?xml version="1.0" encoding="utf-8"?>
 <p:sld xmlns:a="http://schemas.openxmlformats.org/drawingml/2006/main" xmlns:r="http://schemas.openxmlformats.org/officeDocument/2006/relationships" xmlns:p="http://schemas.openxmlformats.org/presentationml/2006/main">
   <p:cSld>
@@ -27748,7 +28226,52 @@
                 <a:ea typeface="宋体" pitchFamily="2" charset="-122"/>
                 <a:cs typeface="Arial" pitchFamily="34" charset="0"/>
               </a:rPr>
-              <a:t>   Manual register: 35s * 2000 / month</a:t>
+              <a:t>   Manual register</a:t>
+            </a:r>
+            <a:r>
+              <a:rPr kumimoji="0" lang="en-US" sz="1800" b="0" i="0" u="none" strike="noStrike" cap="none" normalizeH="0" baseline="0" smtClean="0">
+                <a:ln>
+                  <a:noFill/>
+                </a:ln>
+                <a:solidFill>
+                  <a:schemeClr val="tx1"/>
+                </a:solidFill>
+                <a:effectLst/>
+                <a:latin typeface="Arial" pitchFamily="34" charset="0"/>
+                <a:ea typeface="宋体" pitchFamily="2" charset="-122"/>
+                <a:cs typeface="Arial" pitchFamily="34" charset="0"/>
+              </a:rPr>
+              <a:t>: </a:t>
+            </a:r>
+            <a:r>
+              <a:rPr kumimoji="0" lang="en-US" sz="1800" b="0" i="0" u="none" strike="noStrike" cap="none" normalizeH="0" baseline="0" smtClean="0">
+                <a:ln>
+                  <a:noFill/>
+                </a:ln>
+                <a:solidFill>
+                  <a:schemeClr val="tx1"/>
+                </a:solidFill>
+                <a:effectLst/>
+                <a:latin typeface="Arial" pitchFamily="34" charset="0"/>
+                <a:ea typeface="宋体" pitchFamily="2" charset="-122"/>
+                <a:cs typeface="Arial" pitchFamily="34" charset="0"/>
+              </a:rPr>
+              <a:t>25s </a:t>
+            </a:r>
+            <a:r>
+              <a:rPr kumimoji="0" lang="en-US" sz="1800" b="0" i="0" u="none" strike="noStrike" cap="none" normalizeH="0" baseline="0" dirty="0" smtClean="0">
+                <a:ln>
+                  <a:noFill/>
+                </a:ln>
+                <a:solidFill>
+                  <a:schemeClr val="tx1"/>
+                </a:solidFill>
+                <a:effectLst/>
+                <a:latin typeface="Arial" pitchFamily="34" charset="0"/>
+                <a:ea typeface="宋体" pitchFamily="2" charset="-122"/>
+                <a:cs typeface="Arial" pitchFamily="34" charset="0"/>
+              </a:rPr>
+              <a:t>* 2000 / month</a:t>
             </a:r>
             <a:endParaRPr kumimoji="0" lang="en-GB" sz="1800" b="0" i="0" u="none" strike="noStrike" cap="none" normalizeH="0" baseline="0" dirty="0" smtClean="0">
               <a:ln>
@@ -27993,13 +28516,8 @@
             </a:pPr>
             <a:r>
               <a:rPr lang="en-US" sz="2400" dirty="0" smtClean="0"/>
-              <a:t>New D</a:t>
+              <a:t>New Design</a:t>
             </a:r>
-            <a:r>
-              <a:rPr lang="en-US" sz="2400" dirty="0" smtClean="0"/>
-              <a:t>esign</a:t>
-            </a:r>
-            <a:endParaRPr lang="en-US" sz="2400" dirty="0" smtClean="0"/>
           </a:p>
         </p:txBody>
       </p:sp>
@@ -28373,13 +28891,8 @@
             </a:pPr>
             <a:r>
               <a:rPr lang="en-US" sz="2400" dirty="0" smtClean="0"/>
-              <a:t>New </a:t>
+              <a:t>New Design</a:t>
             </a:r>
-            <a:r>
-              <a:rPr lang="en-US" sz="2400" dirty="0" smtClean="0"/>
-              <a:t>Design</a:t>
-            </a:r>
-            <a:endParaRPr lang="en-US" sz="2400" dirty="0" smtClean="0"/>
           </a:p>
         </p:txBody>
       </p:sp>
